--- a/卒業研究最終発表.pptx
+++ b/卒業研究最終発表.pptx
@@ -17625,7 +17625,15 @@
             </a:r>
             <a:r>
               <a:rPr lang="ja-JP" altLang="en-US" dirty="0"/>
-              <a:t>をできるようにアルゴルズム。</a:t>
+              <a:t>をできる</a:t>
+            </a:r>
+            <a:r>
+              <a:rPr lang="ja-JP" altLang="en-US"/>
+              <a:t>ようにするアルゴルズム</a:t>
+            </a:r>
+            <a:r>
+              <a:rPr lang="ja-JP" altLang="en-US" dirty="0"/>
+              <a:t>。</a:t>
             </a:r>
             <a:endParaRPr lang="en-US" altLang="ja-JP" dirty="0"/>
           </a:p>

--- a/卒業研究最終発表.pptx
+++ b/卒業研究最終発表.pptx
@@ -5,10 +5,10 @@
     <p:sldMasterId id="2147483648" r:id="rId4"/>
   </p:sldMasterIdLst>
   <p:notesMasterIdLst>
-    <p:notesMasterId r:id="rId19"/>
+    <p:notesMasterId r:id="rId18"/>
   </p:notesMasterIdLst>
   <p:handoutMasterIdLst>
-    <p:handoutMasterId r:id="rId20"/>
+    <p:handoutMasterId r:id="rId19"/>
   </p:handoutMasterIdLst>
   <p:sldIdLst>
     <p:sldId id="256" r:id="rId5"/>
@@ -24,7 +24,6 @@
     <p:sldId id="278" r:id="rId15"/>
     <p:sldId id="280" r:id="rId16"/>
     <p:sldId id="264" r:id="rId17"/>
-    <p:sldId id="270" r:id="rId18"/>
   </p:sldIdLst>
   <p:sldSz cx="12192000" cy="6858000"/>
   <p:notesSz cx="6858000" cy="9144000"/>
@@ -252,7 +251,7 @@
                 <a:latin typeface="Meiryo UI" panose="020B0604030504040204" pitchFamily="50" charset="-128"/>
                 <a:ea typeface="Meiryo UI" panose="020B0604030504040204" pitchFamily="50" charset="-128"/>
               </a:rPr>
-              <a:t>2023/1/28</a:t>
+              <a:t>2023/1/29</a:t>
             </a:fld>
             <a:endParaRPr lang="ja-JP" altLang="en-US" dirty="0">
               <a:latin typeface="Meiryo UI" panose="020B0604030504040204" pitchFamily="50" charset="-128"/>
@@ -451,7 +450,7 @@
             <a:fld id="{CAF3ABC7-E89B-4EFE-B05F-43B3224AEAD7}" type="datetime1">
               <a:rPr lang="ja-JP" altLang="en-US" smtClean="0"/>
               <a:pPr/>
-              <a:t>2023/1/28</a:t>
+              <a:t>2023/1/29</a:t>
             </a:fld>
             <a:endParaRPr lang="ja-JP" altLang="en-US" dirty="0"/>
           </a:p>
@@ -1017,95 +1016,6 @@
     <p:extLst>
       <p:ext uri="{BB962C8B-B14F-4D97-AF65-F5344CB8AC3E}">
         <p14:creationId xmlns:p14="http://schemas.microsoft.com/office/powerpoint/2010/main" val="612066806"/>
-      </p:ext>
-    </p:extLst>
-  </p:cSld>
-  <p:clrMapOvr>
-    <a:masterClrMapping/>
-  </p:clrMapOvr>
-</p:notes>
-</file>
-
-<file path=ppt/notesSlides/notesSlide4.xml><?xml version="1.0" encoding="utf-8"?>
-<p:notes xmlns:a="http://schemas.openxmlformats.org/drawingml/2006/main" xmlns:r="http://schemas.openxmlformats.org/officeDocument/2006/relationships" xmlns:p="http://schemas.openxmlformats.org/presentationml/2006/main">
-  <p:cSld>
-    <p:spTree>
-      <p:nvGrpSpPr>
-        <p:cNvPr id="1" name=""/>
-        <p:cNvGrpSpPr/>
-        <p:nvPr/>
-      </p:nvGrpSpPr>
-      <p:grpSpPr>
-        <a:xfrm>
-          <a:off x="0" y="0"/>
-          <a:ext cx="0" cy="0"/>
-          <a:chOff x="0" y="0"/>
-          <a:chExt cx="0" cy="0"/>
-        </a:xfrm>
-      </p:grpSpPr>
-      <p:sp>
-        <p:nvSpPr>
-          <p:cNvPr id="2" name="スライド イメージ プレースホルダー 1"/>
-          <p:cNvSpPr>
-            <a:spLocks noGrp="1" noRot="1" noChangeAspect="1"/>
-          </p:cNvSpPr>
-          <p:nvPr>
-            <p:ph type="sldImg"/>
-          </p:nvPr>
-        </p:nvSpPr>
-        <p:spPr/>
-      </p:sp>
-      <p:sp>
-        <p:nvSpPr>
-          <p:cNvPr id="3" name="ノート プレースホルダー 2"/>
-          <p:cNvSpPr>
-            <a:spLocks noGrp="1"/>
-          </p:cNvSpPr>
-          <p:nvPr>
-            <p:ph type="body" idx="1"/>
-          </p:nvPr>
-        </p:nvSpPr>
-        <p:spPr/>
-        <p:txBody>
-          <a:bodyPr rtlCol="0"/>
-          <a:lstStyle/>
-          <a:p>
-            <a:pPr rtl="0"/>
-            <a:endParaRPr lang="ja-JP" altLang="en-US" dirty="0">
-              <a:latin typeface="Meiryo UI" panose="020B0604030504040204" pitchFamily="50" charset="-128"/>
-              <a:ea typeface="Meiryo UI" panose="020B0604030504040204" pitchFamily="50" charset="-128"/>
-            </a:endParaRPr>
-          </a:p>
-        </p:txBody>
-      </p:sp>
-      <p:sp>
-        <p:nvSpPr>
-          <p:cNvPr id="4" name="スライド番号プレースホルダー 3"/>
-          <p:cNvSpPr>
-            <a:spLocks noGrp="1"/>
-          </p:cNvSpPr>
-          <p:nvPr>
-            <p:ph type="sldNum" sz="quarter" idx="5"/>
-          </p:nvPr>
-        </p:nvSpPr>
-        <p:spPr/>
-        <p:txBody>
-          <a:bodyPr rtlCol="0"/>
-          <a:lstStyle/>
-          <a:p>
-            <a:pPr rtl="0"/>
-            <a:fld id="{79230CFA-805A-4FD3-B3A0-DAAA5993DA17}" type="slidenum">
-              <a:rPr lang="en-US" altLang="ja-JP" smtClean="0"/>
-              <a:t>14</a:t>
-            </a:fld>
-            <a:endParaRPr lang="ja-JP" altLang="en-US" dirty="0"/>
-          </a:p>
-        </p:txBody>
-      </p:sp>
-    </p:spTree>
-    <p:extLst>
-      <p:ext uri="{BB962C8B-B14F-4D97-AF65-F5344CB8AC3E}">
-        <p14:creationId xmlns:p14="http://schemas.microsoft.com/office/powerpoint/2010/main" val="1739621531"/>
       </p:ext>
     </p:extLst>
   </p:cSld>
@@ -14758,7 +14668,7 @@
           <a:p>
             <a:r>
               <a:rPr lang="ja-JP" altLang="en-US" dirty="0"/>
-              <a:t>本研究はアルゴリズムの比較ではなく、ドロケーにおける戦略を観察するのがメインなので、他のアルゴリズムには触れない。</a:t>
+              <a:t>本研究はアルゴリズムの比較ではなく、ドロケーにおける戦略を観察するのがメインなので、他のアルゴリズムとの比較は行わない。</a:t>
             </a:r>
             <a:endParaRPr kumimoji="1" lang="ja-JP" altLang="en-US" dirty="0"/>
           </a:p>
@@ -14974,7 +14884,7 @@
         <p:spPr>
           <a:xfrm>
             <a:off x="6172200" y="2505075"/>
-            <a:ext cx="5183188" cy="3684588"/>
+            <a:ext cx="5501122" cy="3684588"/>
           </a:xfrm>
         </p:spPr>
         <p:txBody>
@@ -15099,6 +15009,14 @@
             <a:r>
               <a:rPr kumimoji="1" lang="ja-JP" altLang="en-US" dirty="0"/>
               <a:t>自身の位置が犯人役のいる位置と近い場合</a:t>
+            </a:r>
+            <a:endParaRPr kumimoji="1" lang="en-US" altLang="ja-JP" dirty="0"/>
+          </a:p>
+          <a:p>
+            <a:pPr lvl="2"/>
+            <a:r>
+              <a:rPr lang="ja-JP" altLang="en-US" dirty="0"/>
+              <a:t>犯人役のエージェントを見つけた場合</a:t>
             </a:r>
             <a:endParaRPr kumimoji="1" lang="en-US" altLang="ja-JP" dirty="0"/>
           </a:p>
@@ -15737,163 +15655,6 @@
 </p:sld>
 </file>
 
-<file path=ppt/slides/slide14.xml><?xml version="1.0" encoding="utf-8"?>
-<p:sld xmlns:a="http://schemas.openxmlformats.org/drawingml/2006/main" xmlns:r="http://schemas.openxmlformats.org/officeDocument/2006/relationships" xmlns:p="http://schemas.openxmlformats.org/presentationml/2006/main">
-  <p:cSld>
-    <p:spTree>
-      <p:nvGrpSpPr>
-        <p:cNvPr id="1" name=""/>
-        <p:cNvGrpSpPr/>
-        <p:nvPr/>
-      </p:nvGrpSpPr>
-      <p:grpSpPr>
-        <a:xfrm>
-          <a:off x="0" y="0"/>
-          <a:ext cx="0" cy="0"/>
-          <a:chOff x="0" y="0"/>
-          <a:chExt cx="0" cy="0"/>
-        </a:xfrm>
-      </p:grpSpPr>
-      <p:sp>
-        <p:nvSpPr>
-          <p:cNvPr id="4" name="タイトル 3">
-            <a:extLst>
-              <a:ext uri="{FF2B5EF4-FFF2-40B4-BE49-F238E27FC236}">
-                <a16:creationId xmlns:a16="http://schemas.microsoft.com/office/drawing/2014/main" id="{E98DCA46-603B-4178-8707-30E192CE6B8D}"/>
-              </a:ext>
-            </a:extLst>
-          </p:cNvPr>
-          <p:cNvSpPr>
-            <a:spLocks noGrp="1"/>
-          </p:cNvSpPr>
-          <p:nvPr>
-            <p:ph type="title"/>
-          </p:nvPr>
-        </p:nvSpPr>
-        <p:spPr/>
-        <p:txBody>
-          <a:bodyPr rtlCol="0">
-            <a:normAutofit/>
-          </a:bodyPr>
-          <a:lstStyle/>
-          <a:p>
-            <a:pPr rtl="0"/>
-            <a:r>
-              <a:rPr lang="ja-JP" altLang="en-US" dirty="0">
-                <a:latin typeface="Meiryo UI" panose="020B0604030504040204" pitchFamily="50" charset="-128"/>
-                <a:ea typeface="Meiryo UI" panose="020B0604030504040204" pitchFamily="50" charset="-128"/>
-              </a:rPr>
-              <a:t>このテンプレートのカスタマイズ</a:t>
-            </a:r>
-          </a:p>
-        </p:txBody>
-      </p:sp>
-      <p:sp>
-        <p:nvSpPr>
-          <p:cNvPr id="8" name="テキスト ボックス 7">
-            <a:hlinkClick r:id="rId3"/>
-            <a:extLst>
-              <a:ext uri="{FF2B5EF4-FFF2-40B4-BE49-F238E27FC236}">
-                <a16:creationId xmlns:a16="http://schemas.microsoft.com/office/drawing/2014/main" id="{5FC6C278-4035-446A-A94B-030E792FDDF5}"/>
-              </a:ext>
-            </a:extLst>
-          </p:cNvPr>
-          <p:cNvSpPr txBox="1"/>
-          <p:nvPr/>
-        </p:nvSpPr>
-        <p:spPr>
-          <a:xfrm>
-            <a:off x="1547813" y="2459504"/>
-            <a:ext cx="9096374" cy="1938992"/>
-          </a:xfrm>
-          <a:prstGeom prst="rect">
-            <a:avLst/>
-          </a:prstGeom>
-          <a:noFill/>
-        </p:spPr>
-        <p:txBody>
-          <a:bodyPr wrap="square" rtlCol="0">
-            <a:spAutoFit/>
-          </a:bodyPr>
-          <a:lstStyle/>
-          <a:p>
-            <a:pPr algn="ctr" rtl="0"/>
-            <a:r>
-              <a:rPr lang="ja-JP" altLang="en-US" sz="6000" u="sng" dirty="0">
-                <a:solidFill>
-                  <a:srgbClr val="0070C0"/>
-                </a:solidFill>
-                <a:latin typeface="Meiryo UI" panose="020B0604030504040204" pitchFamily="50" charset="-128"/>
-                <a:ea typeface="Meiryo UI" panose="020B0604030504040204" pitchFamily="50" charset="-128"/>
-                <a:hlinkClick r:id="rId4">
-                  <a:extLst>
-                    <a:ext uri="{A12FA001-AC4F-418D-AE19-62706E023703}">
-                      <ahyp:hlinkClr xmlns:ahyp="http://schemas.microsoft.com/office/drawing/2018/hyperlinkcolor" val="tx"/>
-                    </a:ext>
-                  </a:extLst>
-                </a:hlinkClick>
-              </a:rPr>
-              <a:t>テンプレートの編集手順とフィードバック</a:t>
-            </a:r>
-            <a:endParaRPr lang="ja-JP" altLang="en-US" sz="6000" u="sng" dirty="0">
-              <a:solidFill>
-                <a:srgbClr val="0070C0"/>
-              </a:solidFill>
-              <a:latin typeface="Meiryo UI" panose="020B0604030504040204" pitchFamily="50" charset="-128"/>
-              <a:ea typeface="Meiryo UI" panose="020B0604030504040204" pitchFamily="50" charset="-128"/>
-            </a:endParaRPr>
-          </a:p>
-        </p:txBody>
-      </p:sp>
-      <p:sp>
-        <p:nvSpPr>
-          <p:cNvPr id="2" name="スライド番号プレースホルダー 1">
-            <a:extLst>
-              <a:ext uri="{FF2B5EF4-FFF2-40B4-BE49-F238E27FC236}">
-                <a16:creationId xmlns:a16="http://schemas.microsoft.com/office/drawing/2014/main" id="{CD4BD05F-6F41-4DC6-98B4-D58BCFF6D692}"/>
-              </a:ext>
-            </a:extLst>
-          </p:cNvPr>
-          <p:cNvSpPr>
-            <a:spLocks noGrp="1"/>
-          </p:cNvSpPr>
-          <p:nvPr>
-            <p:ph type="sldNum" sz="quarter" idx="11"/>
-          </p:nvPr>
-        </p:nvSpPr>
-        <p:spPr/>
-        <p:txBody>
-          <a:bodyPr rtlCol="0"/>
-          <a:lstStyle/>
-          <a:p>
-            <a:pPr rtl="0"/>
-            <a:fld id="{8699F50C-BE38-4BD0-BA84-9B090E1F2B9B}" type="slidenum">
-              <a:rPr lang="en-US" altLang="ja-JP" smtClean="0">
-                <a:latin typeface="Meiryo UI" panose="020B0604030504040204" pitchFamily="50" charset="-128"/>
-                <a:ea typeface="Meiryo UI" panose="020B0604030504040204" pitchFamily="50" charset="-128"/>
-              </a:rPr>
-              <a:t>14</a:t>
-            </a:fld>
-            <a:endParaRPr lang="ja-JP" altLang="en-US" dirty="0">
-              <a:latin typeface="Meiryo UI" panose="020B0604030504040204" pitchFamily="50" charset="-128"/>
-              <a:ea typeface="Meiryo UI" panose="020B0604030504040204" pitchFamily="50" charset="-128"/>
-            </a:endParaRPr>
-          </a:p>
-        </p:txBody>
-      </p:sp>
-    </p:spTree>
-    <p:extLst>
-      <p:ext uri="{BB962C8B-B14F-4D97-AF65-F5344CB8AC3E}">
-        <p14:creationId xmlns:p14="http://schemas.microsoft.com/office/powerpoint/2010/main" val="59582380"/>
-      </p:ext>
-    </p:extLst>
-  </p:cSld>
-  <p:clrMapOvr>
-    <a:masterClrMapping/>
-  </p:clrMapOvr>
-</p:sld>
-</file>
-
 <file path=ppt/slides/slide2.xml><?xml version="1.0" encoding="utf-8"?>
 <p:sld xmlns:a="http://schemas.openxmlformats.org/drawingml/2006/main" xmlns:r="http://schemas.openxmlformats.org/officeDocument/2006/relationships" xmlns:p="http://schemas.openxmlformats.org/presentationml/2006/main">
   <p:cSld>
@@ -16962,7 +16723,7 @@
         </p:blipFill>
         <p:spPr>
           <a:xfrm>
-            <a:off x="617537" y="3429000"/>
+            <a:off x="843948" y="2673476"/>
             <a:ext cx="2828925" cy="1619250"/>
           </a:xfrm>
           <a:prstGeom prst="rect">
@@ -16992,8 +16753,8 @@
         </p:blipFill>
         <p:spPr>
           <a:xfrm>
-            <a:off x="3708235" y="3429000"/>
-            <a:ext cx="1624013" cy="1624013"/>
+            <a:off x="3799825" y="2956908"/>
+            <a:ext cx="1335817" cy="1335817"/>
           </a:xfrm>
           <a:prstGeom prst="rect">
             <a:avLst/>
@@ -17052,7 +16813,7 @@
         </p:blipFill>
         <p:spPr>
           <a:xfrm>
-            <a:off x="9613539" y="3020369"/>
+            <a:off x="9527287" y="3074470"/>
             <a:ext cx="1111324" cy="1218256"/>
           </a:xfrm>
           <a:prstGeom prst="rect">
@@ -17082,8 +16843,38 @@
         </p:blipFill>
         <p:spPr>
           <a:xfrm>
-            <a:off x="7890449" y="4591049"/>
+            <a:off x="2258410" y="4568301"/>
             <a:ext cx="2092098" cy="1171575"/>
+          </a:xfrm>
+          <a:prstGeom prst="rect">
+            <a:avLst/>
+          </a:prstGeom>
+        </p:spPr>
+      </p:pic>
+      <p:pic>
+        <p:nvPicPr>
+          <p:cNvPr id="2" name="図 1">
+            <a:extLst>
+              <a:ext uri="{FF2B5EF4-FFF2-40B4-BE49-F238E27FC236}">
+                <a16:creationId xmlns:a16="http://schemas.microsoft.com/office/drawing/2014/main" id="{B4E861F8-F916-10B9-43D3-489F49394B91}"/>
+              </a:ext>
+            </a:extLst>
+          </p:cNvPr>
+          <p:cNvPicPr>
+            <a:picLocks noChangeAspect="1"/>
+          </p:cNvPicPr>
+          <p:nvPr/>
+        </p:nvPicPr>
+        <p:blipFill>
+          <a:blip r:embed="rId7"/>
+          <a:stretch>
+            <a:fillRect/>
+          </a:stretch>
+        </p:blipFill>
+        <p:spPr>
+          <a:xfrm>
+            <a:off x="7642365" y="4385197"/>
+            <a:ext cx="2419069" cy="1354679"/>
           </a:xfrm>
           <a:prstGeom prst="rect">
             <a:avLst/>
@@ -17530,7 +17321,7 @@
           <a:p>
             <a:r>
               <a:rPr lang="ja-JP" altLang="en-US" dirty="0"/>
-              <a:t>本研究では機械学習アルゴリズムの中でも</a:t>
+              <a:t>本研究では機械学習の中でも</a:t>
             </a:r>
             <a:r>
               <a:rPr lang="ja-JP" altLang="en-US" b="1" dirty="0"/>
@@ -17625,15 +17416,7 @@
             </a:r>
             <a:r>
               <a:rPr lang="ja-JP" altLang="en-US" dirty="0"/>
-              <a:t>をできる</a:t>
-            </a:r>
-            <a:r>
-              <a:rPr lang="ja-JP" altLang="en-US"/>
-              <a:t>ようにするアルゴルズム</a:t>
-            </a:r>
-            <a:r>
-              <a:rPr lang="ja-JP" altLang="en-US" dirty="0"/>
-              <a:t>。</a:t>
+              <a:t>をできるようにするアルゴルズム。</a:t>
             </a:r>
             <a:endParaRPr lang="en-US" altLang="ja-JP" dirty="0"/>
           </a:p>
@@ -18531,24 +18314,6 @@
 </file>
 
 <file path=customXml/item1.xml><?xml version="1.0" encoding="utf-8"?>
-<?mso-contentType ?>
-<FormTemplates xmlns="http://schemas.microsoft.com/sharepoint/v3/contenttype/forms">
-  <Display>DocumentLibraryForm</Display>
-  <Edit>DocumentLibraryForm</Edit>
-  <New>DocumentLibraryForm</New>
-</FormTemplates>
-</file>
-
-<file path=customXml/item2.xml><?xml version="1.0" encoding="utf-8"?>
-<p:properties xmlns:p="http://schemas.microsoft.com/office/2006/metadata/properties" xmlns:xsi="http://www.w3.org/2001/XMLSchema-instance" xmlns:pc="http://schemas.microsoft.com/office/infopath/2007/PartnerControls">
-  <documentManagement>
-    <_ip_UnifiedCompliancePolicyUIAction xmlns="http://schemas.microsoft.com/sharepoint/v3" xsi:nil="true"/>
-    <_ip_UnifiedCompliancePolicyProperties xmlns="http://schemas.microsoft.com/sharepoint/v3" xsi:nil="true"/>
-  </documentManagement>
-</p:properties>
-</file>
-
-<file path=customXml/item3.xml><?xml version="1.0" encoding="utf-8"?>
 <ct:contentTypeSchema xmlns:ct="http://schemas.microsoft.com/office/2006/metadata/contentType" xmlns:ma="http://schemas.microsoft.com/office/2006/metadata/properties/metaAttributes" ct:_="" ma:_="" ma:contentTypeName="Document" ma:contentTypeID="0x010100DEEA25CC0A0AC24199CDC46C25B8B0BC" ma:contentTypeVersion="10" ma:contentTypeDescription="Create a new document." ma:contentTypeScope="" ma:versionID="e3b47856d4cf355c0dacb39e1084d14f">
   <xsd:schema xmlns:xsd="http://www.w3.org/2001/XMLSchema" xmlns:xs="http://www.w3.org/2001/XMLSchema" xmlns:p="http://schemas.microsoft.com/office/2006/metadata/properties" xmlns:ns1="http://schemas.microsoft.com/sharepoint/v3" xmlns:ns2="6dc4bcd6-49db-4c07-9060-8acfc67cef9f" xmlns:ns3="fb0879af-3eba-417a-a55a-ffe6dcd6ca77" targetNamespace="http://schemas.microsoft.com/office/2006/metadata/properties" ma:root="true" ma:fieldsID="a845a615265fdb1f7b12cc65ac20ecbd" ns1:_="" ns2:_="" ns3:_="">
     <xsd:import namespace="http://schemas.microsoft.com/sharepoint/v3"/>
@@ -18756,25 +18521,25 @@
 </ct:contentTypeSchema>
 </file>
 
-<file path=customXml/itemProps1.xml><?xml version="1.0" encoding="utf-8"?>
-<ds:datastoreItem xmlns:ds="http://schemas.openxmlformats.org/officeDocument/2006/customXml" ds:itemID="{F79AA90D-A39D-4F83-B1BD-92099B1CAD0D}">
-  <ds:schemaRefs>
-    <ds:schemaRef ds:uri="http://schemas.microsoft.com/sharepoint/v3/contenttype/forms"/>
-  </ds:schemaRefs>
-</ds:datastoreItem>
+<file path=customXml/item2.xml><?xml version="1.0" encoding="utf-8"?>
+<p:properties xmlns:p="http://schemas.microsoft.com/office/2006/metadata/properties" xmlns:xsi="http://www.w3.org/2001/XMLSchema-instance" xmlns:pc="http://schemas.microsoft.com/office/infopath/2007/PartnerControls">
+  <documentManagement>
+    <_ip_UnifiedCompliancePolicyUIAction xmlns="http://schemas.microsoft.com/sharepoint/v3" xsi:nil="true"/>
+    <_ip_UnifiedCompliancePolicyProperties xmlns="http://schemas.microsoft.com/sharepoint/v3" xsi:nil="true"/>
+  </documentManagement>
+</p:properties>
 </file>
 
-<file path=customXml/itemProps2.xml><?xml version="1.0" encoding="utf-8"?>
-<ds:datastoreItem xmlns:ds="http://schemas.openxmlformats.org/officeDocument/2006/customXml" ds:itemID="{374D15D6-87BC-477C-8E91-9F90829C2FC8}">
-  <ds:schemaRefs>
-    <ds:schemaRef ds:uri="http://schemas.microsoft.com/office/2006/metadata/properties"/>
-    <ds:schemaRef ds:uri="http://schemas.microsoft.com/office/infopath/2007/PartnerControls"/>
-    <ds:schemaRef ds:uri="http://schemas.microsoft.com/sharepoint/v3"/>
-  </ds:schemaRefs>
-</ds:datastoreItem>
+<file path=customXml/item3.xml><?xml version="1.0" encoding="utf-8"?>
+<?mso-contentType ?>
+<FormTemplates xmlns="http://schemas.microsoft.com/sharepoint/v3/contenttype/forms">
+  <Display>DocumentLibraryForm</Display>
+  <Edit>DocumentLibraryForm</Edit>
+  <New>DocumentLibraryForm</New>
+</FormTemplates>
 </file>
 
-<file path=customXml/itemProps3.xml><?xml version="1.0" encoding="utf-8"?>
+<file path=customXml/itemProps1.xml><?xml version="1.0" encoding="utf-8"?>
 <ds:datastoreItem xmlns:ds="http://schemas.openxmlformats.org/officeDocument/2006/customXml" ds:itemID="{D19A80A7-0DD1-4CF4-ABD5-362A6549C557}">
   <ds:schemaRefs>
     <ds:schemaRef ds:uri="http://schemas.microsoft.com/office/2006/metadata/contentType"/>
@@ -18792,4 +18557,22 @@
     <ds:schemaRef ds:uri="http://schemas.microsoft.com/internal/obd"/>
   </ds:schemaRefs>
 </ds:datastoreItem>
+</file>
+
+<file path=customXml/itemProps2.xml><?xml version="1.0" encoding="utf-8"?>
+<ds:datastoreItem xmlns:ds="http://schemas.openxmlformats.org/officeDocument/2006/customXml" ds:itemID="{374D15D6-87BC-477C-8E91-9F90829C2FC8}">
+  <ds:schemaRefs>
+    <ds:schemaRef ds:uri="http://schemas.microsoft.com/office/2006/metadata/properties"/>
+    <ds:schemaRef ds:uri="http://schemas.microsoft.com/office/infopath/2007/PartnerControls"/>
+    <ds:schemaRef ds:uri="http://schemas.microsoft.com/sharepoint/v3"/>
+  </ds:schemaRefs>
+</ds:datastoreItem>
+</file>
+
+<file path=customXml/itemProps3.xml><?xml version="1.0" encoding="utf-8"?>
+<ds:datastoreItem xmlns:ds="http://schemas.openxmlformats.org/officeDocument/2006/customXml" ds:itemID="{F79AA90D-A39D-4F83-B1BD-92099B1CAD0D}">
+  <ds:schemaRefs>
+    <ds:schemaRef ds:uri="http://schemas.microsoft.com/sharepoint/v3/contenttype/forms"/>
+  </ds:schemaRefs>
+</ds:datastoreItem>
 </file>
--- a/卒業研究最終発表.pptx
+++ b/卒業研究最終発表.pptx
@@ -5,10 +5,10 @@
     <p:sldMasterId id="2147483648" r:id="rId4"/>
   </p:sldMasterIdLst>
   <p:notesMasterIdLst>
-    <p:notesMasterId r:id="rId18"/>
+    <p:notesMasterId r:id="rId22"/>
   </p:notesMasterIdLst>
   <p:handoutMasterIdLst>
-    <p:handoutMasterId r:id="rId19"/>
+    <p:handoutMasterId r:id="rId23"/>
   </p:handoutMasterIdLst>
   <p:sldIdLst>
     <p:sldId id="256" r:id="rId5"/>
@@ -18,12 +18,16 @@
     <p:sldId id="273" r:id="rId9"/>
     <p:sldId id="274" r:id="rId10"/>
     <p:sldId id="279" r:id="rId11"/>
-    <p:sldId id="275" r:id="rId12"/>
-    <p:sldId id="276" r:id="rId13"/>
-    <p:sldId id="277" r:id="rId14"/>
-    <p:sldId id="278" r:id="rId15"/>
-    <p:sldId id="280" r:id="rId16"/>
-    <p:sldId id="264" r:id="rId17"/>
+    <p:sldId id="281" r:id="rId12"/>
+    <p:sldId id="283" r:id="rId13"/>
+    <p:sldId id="275" r:id="rId14"/>
+    <p:sldId id="276" r:id="rId15"/>
+    <p:sldId id="277" r:id="rId16"/>
+    <p:sldId id="284" r:id="rId17"/>
+    <p:sldId id="278" r:id="rId18"/>
+    <p:sldId id="280" r:id="rId19"/>
+    <p:sldId id="282" r:id="rId20"/>
+    <p:sldId id="264" r:id="rId21"/>
   </p:sldIdLst>
   <p:sldSz cx="12192000" cy="6858000"/>
   <p:notesSz cx="6858000" cy="9144000"/>
@@ -1006,7 +1010,7 @@
             <a:pPr rtl="0"/>
             <a:fld id="{79230CFA-805A-4FD3-B3A0-DAAA5993DA17}" type="slidenum">
               <a:rPr lang="en-US" altLang="ja-JP" smtClean="0"/>
-              <a:t>13</a:t>
+              <a:t>17</a:t>
             </a:fld>
             <a:endParaRPr lang="ja-JP" altLang="en-US" dirty="0"/>
           </a:p>
@@ -14446,10 +14450,10 @@
       </p:grpSpPr>
       <p:sp>
         <p:nvSpPr>
-          <p:cNvPr id="2" name="フッター プレースホルダー 1">
-            <a:extLst>
-              <a:ext uri="{FF2B5EF4-FFF2-40B4-BE49-F238E27FC236}">
-                <a16:creationId xmlns:a16="http://schemas.microsoft.com/office/drawing/2014/main" id="{462D4E20-BEB5-1D0B-FCD6-BB4636860927}"/>
+          <p:cNvPr id="14" name="Footer Placeholder 1">
+            <a:extLst>
+              <a:ext uri="{FF2B5EF4-FFF2-40B4-BE49-F238E27FC236}">
+                <a16:creationId xmlns:a16="http://schemas.microsoft.com/office/drawing/2014/main" id="{0553AAAA-8E0E-39D8-41EA-3AA5F0B19C92}"/>
               </a:ext>
             </a:extLst>
           </p:cNvPr>
@@ -14460,13 +14464,23 @@
             <p:ph type="ftr" sz="quarter" idx="17"/>
           </p:nvPr>
         </p:nvSpPr>
-        <p:spPr/>
+        <p:spPr>
+          <a:xfrm>
+            <a:off x="338530" y="6356350"/>
+            <a:ext cx="4114800" cy="365125"/>
+          </a:xfrm>
+        </p:spPr>
         <p:txBody>
           <a:bodyPr/>
           <a:lstStyle/>
           <a:p>
-            <a:r>
-              <a:rPr lang="ja-JP" altLang="en-US" dirty="0"/>
+            <a:pPr>
+              <a:spcAft>
+                <a:spcPts val="600"/>
+              </a:spcAft>
+            </a:pPr>
+            <a:r>
+              <a:rPr lang="ja-JP" altLang="en-US"/>
               <a:t>フッターを追加</a:t>
             </a:r>
           </a:p>
@@ -14474,10 +14488,10 @@
       </p:sp>
       <p:sp>
         <p:nvSpPr>
-          <p:cNvPr id="3" name="スライド番号プレースホルダー 2">
-            <a:extLst>
-              <a:ext uri="{FF2B5EF4-FFF2-40B4-BE49-F238E27FC236}">
-                <a16:creationId xmlns:a16="http://schemas.microsoft.com/office/drawing/2014/main" id="{BD4FEE23-6E30-AFEF-C99E-C96CBAA9C4BA}"/>
+          <p:cNvPr id="16" name="Slide Number Placeholder 2">
+            <a:extLst>
+              <a:ext uri="{FF2B5EF4-FFF2-40B4-BE49-F238E27FC236}">
+                <a16:creationId xmlns:a16="http://schemas.microsoft.com/office/drawing/2014/main" id="{B329F06E-3677-FF99-A3D3-95E62EF1C2D3}"/>
               </a:ext>
             </a:extLst>
           </p:cNvPr>
@@ -14488,17 +14502,31 @@
             <p:ph type="sldNum" sz="quarter" idx="18"/>
           </p:nvPr>
         </p:nvSpPr>
-        <p:spPr/>
+        <p:spPr>
+          <a:xfrm>
+            <a:off x="11146971" y="6356350"/>
+            <a:ext cx="740227" cy="365125"/>
+          </a:xfrm>
+        </p:spPr>
         <p:txBody>
           <a:bodyPr/>
           <a:lstStyle/>
           <a:p>
+            <a:pPr>
+              <a:spcAft>
+                <a:spcPts val="600"/>
+              </a:spcAft>
+            </a:pPr>
             <a:fld id="{8699F50C-BE38-4BD0-BA84-9B090E1F2B9B}" type="slidenum">
               <a:rPr lang="en-US" altLang="ja-JP" smtClean="0"/>
-              <a:pPr/>
+              <a:pPr>
+                <a:spcAft>
+                  <a:spcPts val="600"/>
+                </a:spcAft>
+              </a:pPr>
               <a:t>10</a:t>
             </a:fld>
-            <a:endParaRPr lang="ja-JP" altLang="en-US" dirty="0"/>
+            <a:endParaRPr lang="ja-JP" altLang="en-US"/>
           </a:p>
         </p:txBody>
       </p:sp>
@@ -14507,7 +14535,7 @@
           <p:cNvPr id="4" name="タイトル 3">
             <a:extLst>
               <a:ext uri="{FF2B5EF4-FFF2-40B4-BE49-F238E27FC236}">
-                <a16:creationId xmlns:a16="http://schemas.microsoft.com/office/drawing/2014/main" id="{544C1B3B-A5D6-B3DC-D28D-D3C1FCD2CABF}"/>
+                <a16:creationId xmlns:a16="http://schemas.microsoft.com/office/drawing/2014/main" id="{F720104F-A008-8C95-7313-1BEAF40BF547}"/>
               </a:ext>
             </a:extLst>
           </p:cNvPr>
@@ -14518,20 +14546,26 @@
             <p:ph type="title"/>
           </p:nvPr>
         </p:nvSpPr>
-        <p:spPr/>
-        <p:txBody>
-          <a:bodyPr/>
+        <p:spPr>
+          <a:xfrm>
+            <a:off x="518678" y="209028"/>
+            <a:ext cx="8333222" cy="1147969"/>
+          </a:xfrm>
+        </p:spPr>
+        <p:txBody>
+          <a:bodyPr anchor="b">
+            <a:normAutofit/>
+          </a:bodyPr>
           <a:lstStyle/>
           <a:p>
             <a:r>
               <a:rPr lang="en-US" altLang="ja-JP" dirty="0"/>
-              <a:t>2.3 </a:t>
+              <a:t>2.2 </a:t>
             </a:r>
             <a:r>
               <a:rPr lang="ja-JP" altLang="en-US" dirty="0"/>
-              <a:t>学習アルゴリズムについて</a:t>
-            </a:r>
-            <a:endParaRPr kumimoji="1" lang="ja-JP" altLang="en-US" dirty="0"/>
+              <a:t>実験方法の説明</a:t>
+            </a:r>
           </a:p>
         </p:txBody>
       </p:sp>
@@ -14540,7 +14574,7 @@
           <p:cNvPr id="5" name="コンテンツ プレースホルダー 4">
             <a:extLst>
               <a:ext uri="{FF2B5EF4-FFF2-40B4-BE49-F238E27FC236}">
-                <a16:creationId xmlns:a16="http://schemas.microsoft.com/office/drawing/2014/main" id="{B6365334-A653-D573-027B-E1AA94B76016}"/>
+                <a16:creationId xmlns:a16="http://schemas.microsoft.com/office/drawing/2014/main" id="{2609ABEA-E730-FA95-EA8C-50BA953E7215}"/>
               </a:ext>
             </a:extLst>
           </p:cNvPr>
@@ -14548,139 +14582,143 @@
             <a:spLocks noGrp="1"/>
           </p:cNvSpPr>
           <p:nvPr>
-            <p:ph idx="1"/>
+            <p:ph sz="half" idx="1"/>
           </p:nvPr>
         </p:nvSpPr>
-        <p:spPr/>
-        <p:txBody>
-          <a:bodyPr anchor="ctr"/>
+        <p:spPr>
+          <a:xfrm>
+            <a:off x="529687" y="1651044"/>
+            <a:ext cx="5181600" cy="4525919"/>
+          </a:xfrm>
+        </p:spPr>
+        <p:txBody>
+          <a:bodyPr>
+            <a:normAutofit/>
+          </a:bodyPr>
           <a:lstStyle/>
           <a:p>
             <a:r>
-              <a:rPr kumimoji="1" lang="en-US" altLang="ja-JP" dirty="0"/>
-              <a:t>Multi-Agent </a:t>
-            </a:r>
-            <a:r>
-              <a:rPr kumimoji="1" lang="en-US" altLang="ja-JP" dirty="0" err="1"/>
-              <a:t>POsthumous</a:t>
-            </a:r>
-            <a:r>
-              <a:rPr kumimoji="1" lang="en-US" altLang="ja-JP" dirty="0"/>
-              <a:t> Credit Assignment </a:t>
-            </a:r>
-            <a:r>
-              <a:rPr kumimoji="1" lang="ja-JP" altLang="en-US" dirty="0"/>
-              <a:t>の略</a:t>
-            </a:r>
-            <a:endParaRPr kumimoji="1" lang="en-US" altLang="ja-JP" dirty="0"/>
+              <a:rPr lang="ja-JP" altLang="en-US" sz="2200" dirty="0"/>
+              <a:t>実験方法について</a:t>
+            </a:r>
+            <a:endParaRPr lang="en-US" altLang="ja-JP" sz="2200" dirty="0"/>
           </a:p>
           <a:p>
             <a:pPr lvl="1"/>
             <a:r>
-              <a:rPr kumimoji="1" lang="en-US" altLang="ja-JP" dirty="0"/>
-              <a:t>Posthumous Credit Assignment</a:t>
-            </a:r>
-            <a:r>
-              <a:rPr kumimoji="1" lang="ja-JP" altLang="en-US" dirty="0"/>
-              <a:t>：死後信用割り当て の意</a:t>
-            </a:r>
-            <a:endParaRPr lang="en-US" altLang="ja-JP" dirty="0"/>
-          </a:p>
-          <a:p>
-            <a:pPr marL="457200" lvl="1" indent="0">
+              <a:rPr lang="ja-JP" altLang="en-US" sz="2200" dirty="0"/>
+              <a:t>実験環境として自前で</a:t>
+            </a:r>
+            <a:r>
+              <a:rPr lang="en-US" altLang="ja-JP" sz="2200" dirty="0"/>
+              <a:t>3D</a:t>
+            </a:r>
+            <a:r>
+              <a:rPr lang="ja-JP" altLang="en-US" sz="2200" dirty="0"/>
+              <a:t>ゲーム環境を用意。</a:t>
+            </a:r>
+            <a:endParaRPr lang="en-US" altLang="ja-JP" sz="2200" dirty="0"/>
+          </a:p>
+          <a:p>
+            <a:pPr lvl="1"/>
+            <a:r>
+              <a:rPr lang="ja-JP" altLang="en-US" sz="2200" dirty="0"/>
+              <a:t>警察役</a:t>
+            </a:r>
+            <a:r>
+              <a:rPr lang="en-US" altLang="ja-JP" sz="2200" dirty="0"/>
+              <a:t>AI</a:t>
+            </a:r>
+            <a:r>
+              <a:rPr lang="ja-JP" altLang="en-US" sz="2200" dirty="0"/>
+              <a:t>と犯人役</a:t>
+            </a:r>
+            <a:r>
+              <a:rPr lang="en-US" altLang="ja-JP" sz="2200" dirty="0"/>
+              <a:t>AI</a:t>
+            </a:r>
+            <a:r>
+              <a:rPr lang="ja-JP" altLang="en-US" sz="2200" dirty="0"/>
+              <a:t>の２チームに　分かれて実際にドロケーをさせる。</a:t>
+            </a:r>
+            <a:endParaRPr lang="en-US" altLang="ja-JP" sz="2200" dirty="0"/>
+          </a:p>
+          <a:p>
+            <a:pPr lvl="1"/>
+            <a:r>
+              <a:rPr lang="ja-JP" altLang="en-US" sz="2200" dirty="0"/>
+              <a:t>各チームの人数の変更やフィールド内に障害物を追加するといったことを行い　　どのような戦略がみられるか観察する。</a:t>
+            </a:r>
+            <a:endParaRPr lang="en-US" altLang="ja-JP" sz="2200" dirty="0"/>
+          </a:p>
+          <a:p>
+            <a:r>
+              <a:rPr lang="ja-JP" altLang="en-US" sz="2200" dirty="0"/>
+              <a:t>学習率やその他の設定について</a:t>
+            </a:r>
+            <a:endParaRPr lang="en-US" altLang="ja-JP" sz="2200" dirty="0"/>
+          </a:p>
+          <a:p>
+            <a:pPr lvl="1"/>
+            <a:r>
+              <a:rPr lang="ja-JP" altLang="en-US" sz="2200" dirty="0"/>
+              <a:t>各種パラメータの設定は、　　　　　　　　　　</a:t>
+            </a:r>
+            <a:r>
+              <a:rPr lang="en-US" altLang="ja-JP" sz="2200" dirty="0" err="1"/>
+              <a:t>yaml</a:t>
+            </a:r>
+            <a:r>
+              <a:rPr lang="ja-JP" altLang="en-US" sz="2200" dirty="0"/>
+              <a:t>形式で書かれた学習設定　　　　　　ファイルを利用する。</a:t>
+            </a:r>
+            <a:endParaRPr lang="en-US" altLang="ja-JP" sz="2200" dirty="0"/>
+          </a:p>
+          <a:p>
+            <a:pPr marL="0" indent="0">
               <a:buNone/>
             </a:pPr>
             <a:r>
-              <a:rPr kumimoji="1" lang="en-US" altLang="ja-JP" sz="1600" dirty="0"/>
-              <a:t>※</a:t>
-            </a:r>
-            <a:r>
-              <a:rPr kumimoji="1" lang="ja-JP" altLang="en-US" sz="1600" dirty="0"/>
-              <a:t>本アルゴリズムの具体的な説明：</a:t>
-            </a:r>
-            <a:r>
-              <a:rPr lang="en-US" altLang="ja-JP" sz="1600" dirty="0">
-                <a:hlinkClick r:id="rId2"/>
-              </a:rPr>
-              <a:t>https://ai-scholar.tech/articles/reinforcement-learning/MA-POCA</a:t>
-            </a:r>
-            <a:endParaRPr kumimoji="1" lang="en-US" altLang="ja-JP" sz="1600" dirty="0"/>
-          </a:p>
-          <a:p>
-            <a:r>
-              <a:rPr lang="ja-JP" altLang="en-US" dirty="0"/>
-              <a:t>環境内のエージェント数の増減に対応した、マルチエージェント</a:t>
-            </a:r>
-            <a:r>
-              <a:rPr lang="en-US" altLang="ja-JP" dirty="0"/>
-              <a:t>RL</a:t>
-            </a:r>
-            <a:r>
-              <a:rPr lang="ja-JP" altLang="en-US" dirty="0"/>
-              <a:t>アルゴルズム</a:t>
-            </a:r>
-            <a:endParaRPr lang="en-US" altLang="ja-JP" dirty="0"/>
-          </a:p>
-          <a:p>
-            <a:pPr lvl="1"/>
-            <a:r>
-              <a:rPr kumimoji="1" lang="ja-JP" altLang="en-US" dirty="0"/>
-              <a:t>多くの</a:t>
-            </a:r>
-            <a:r>
-              <a:rPr kumimoji="1" lang="en-US" altLang="ja-JP" dirty="0"/>
-              <a:t>RL</a:t>
-            </a:r>
-            <a:r>
-              <a:rPr kumimoji="1" lang="ja-JP" altLang="en-US" dirty="0"/>
-              <a:t>アルゴリズムは、</a:t>
-            </a:r>
-            <a:r>
-              <a:rPr lang="ja-JP" altLang="en-US" dirty="0"/>
-              <a:t>シングルエージェント</a:t>
-            </a:r>
-            <a:r>
-              <a:rPr kumimoji="1" lang="ja-JP" altLang="en-US" dirty="0"/>
-              <a:t>を前提としたものであるため、　　　　　　　　　　　　　　　　　　　　複数の仲間がいるドロケーには不向き。</a:t>
-            </a:r>
-            <a:endParaRPr kumimoji="1" lang="en-US" altLang="ja-JP" dirty="0"/>
-          </a:p>
-          <a:p>
-            <a:pPr lvl="1"/>
-            <a:r>
-              <a:rPr lang="ja-JP" altLang="en-US" dirty="0"/>
-              <a:t>他の強化学習アルゴリズムは、環境内のエージェント数が固定されることを前提としたアルゴルズムのため、ドロケーには適さない。</a:t>
-            </a:r>
-            <a:endParaRPr lang="en-US" altLang="ja-JP" dirty="0"/>
-          </a:p>
-          <a:p>
-            <a:pPr lvl="1"/>
-            <a:r>
-              <a:rPr lang="ja-JP" altLang="en-US" dirty="0"/>
-              <a:t>このように</a:t>
-            </a:r>
-            <a:r>
-              <a:rPr kumimoji="1" lang="ja-JP" altLang="en-US" dirty="0"/>
-              <a:t>実世界のチームプレイを要するタスクは、突然仲間がいなくなることもある。　　　　　　　　　　　　　　　　　　　　　　　　　　　　　　　　　　従来のアルゴリズムではこのような、ゲーム中に起こる仲間の数の増減にうまく対応できず、　　　　　　　　　　　　　　　　　　　　性能が悪化したりする傾向がある。</a:t>
-            </a:r>
-            <a:endParaRPr kumimoji="1" lang="en-US" altLang="ja-JP" dirty="0"/>
-          </a:p>
-          <a:p>
-            <a:r>
-              <a:rPr lang="ja-JP" altLang="en-US" dirty="0"/>
-              <a:t>本研究はアルゴリズムの比較ではなく、ドロケーにおける戦略を観察するのがメインなので、他のアルゴリズムとの比較は行わない。</a:t>
-            </a:r>
-            <a:endParaRPr kumimoji="1" lang="ja-JP" altLang="en-US" dirty="0"/>
-          </a:p>
-          <a:p>
-            <a:endParaRPr kumimoji="1" lang="ja-JP" altLang="en-US" dirty="0"/>
-          </a:p>
-        </p:txBody>
-      </p:sp>
+              <a:rPr lang="en-US" altLang="ja-JP" sz="2200" dirty="0"/>
+              <a:t>	</a:t>
+            </a:r>
+          </a:p>
+        </p:txBody>
+      </p:sp>
+      <p:pic>
+        <p:nvPicPr>
+          <p:cNvPr id="11" name="図 10">
+            <a:extLst>
+              <a:ext uri="{FF2B5EF4-FFF2-40B4-BE49-F238E27FC236}">
+                <a16:creationId xmlns:a16="http://schemas.microsoft.com/office/drawing/2014/main" id="{1B4EE839-7B20-F337-F1F8-B0C88BDF3D52}"/>
+              </a:ext>
+            </a:extLst>
+          </p:cNvPr>
+          <p:cNvPicPr>
+            <a:picLocks noChangeAspect="1"/>
+          </p:cNvPicPr>
+          <p:nvPr/>
+        </p:nvPicPr>
+        <p:blipFill>
+          <a:blip r:embed="rId2"/>
+          <a:stretch>
+            <a:fillRect/>
+          </a:stretch>
+        </p:blipFill>
+        <p:spPr>
+          <a:xfrm>
+            <a:off x="6875462" y="1356997"/>
+            <a:ext cx="3952875" cy="4781550"/>
+          </a:xfrm>
+          <a:prstGeom prst="rect">
+            <a:avLst/>
+          </a:prstGeom>
+        </p:spPr>
+      </p:pic>
     </p:spTree>
     <p:extLst>
       <p:ext uri="{BB962C8B-B14F-4D97-AF65-F5344CB8AC3E}">
-        <p14:creationId xmlns:p14="http://schemas.microsoft.com/office/powerpoint/2010/main" val="1324906070"/>
+        <p14:creationId xmlns:p14="http://schemas.microsoft.com/office/powerpoint/2010/main" val="3899259265"/>
       </p:ext>
     </p:extLst>
   </p:cSld>
@@ -14712,7 +14750,7 @@
           <p:cNvPr id="2" name="フッター プレースホルダー 1">
             <a:extLst>
               <a:ext uri="{FF2B5EF4-FFF2-40B4-BE49-F238E27FC236}">
-                <a16:creationId xmlns:a16="http://schemas.microsoft.com/office/drawing/2014/main" id="{69BD765C-CBB7-9ECA-95EB-5EEE070B3C75}"/>
+                <a16:creationId xmlns:a16="http://schemas.microsoft.com/office/drawing/2014/main" id="{DA0EEA9F-4A91-AC27-379D-291FE82EA501}"/>
               </a:ext>
             </a:extLst>
           </p:cNvPr>
@@ -14729,10 +14767,9 @@
           <a:lstStyle/>
           <a:p>
             <a:r>
-              <a:rPr lang="ja-JP" altLang="en-US"/>
+              <a:rPr lang="ja-JP" altLang="en-US" dirty="0"/>
               <a:t>フッターを追加</a:t>
             </a:r>
-            <a:endParaRPr lang="ja-JP" altLang="en-US" dirty="0"/>
           </a:p>
         </p:txBody>
       </p:sp>
@@ -14741,7 +14778,7 @@
           <p:cNvPr id="3" name="スライド番号プレースホルダー 2">
             <a:extLst>
               <a:ext uri="{FF2B5EF4-FFF2-40B4-BE49-F238E27FC236}">
-                <a16:creationId xmlns:a16="http://schemas.microsoft.com/office/drawing/2014/main" id="{178E6EDA-208E-B958-7DF9-C4F1D35A64E5}"/>
+                <a16:creationId xmlns:a16="http://schemas.microsoft.com/office/drawing/2014/main" id="{4AED8139-A5B5-7D17-2822-0A3AF2A7B9B7}"/>
               </a:ext>
             </a:extLst>
           </p:cNvPr>
@@ -14771,7 +14808,7 @@
           <p:cNvPr id="4" name="タイトル 3">
             <a:extLst>
               <a:ext uri="{FF2B5EF4-FFF2-40B4-BE49-F238E27FC236}">
-                <a16:creationId xmlns:a16="http://schemas.microsoft.com/office/drawing/2014/main" id="{20B63936-2C46-DB87-DFD9-D97AAB871C2D}"/>
+                <a16:creationId xmlns:a16="http://schemas.microsoft.com/office/drawing/2014/main" id="{59F473B7-ED00-346F-956F-CFAB45E9CDA3}"/>
               </a:ext>
             </a:extLst>
           </p:cNvPr>
@@ -14782,6 +14819,701 @@
             <p:ph type="title"/>
           </p:nvPr>
         </p:nvSpPr>
+        <p:spPr/>
+        <p:txBody>
+          <a:bodyPr/>
+          <a:lstStyle/>
+          <a:p>
+            <a:r>
+              <a:rPr lang="en-US" altLang="ja-JP" dirty="0"/>
+              <a:t>2.3 </a:t>
+            </a:r>
+            <a:r>
+              <a:rPr lang="ja-JP" altLang="en-US" dirty="0"/>
+              <a:t>学習アルゴリズムについて</a:t>
+            </a:r>
+          </a:p>
+        </p:txBody>
+      </p:sp>
+      <p:sp>
+        <p:nvSpPr>
+          <p:cNvPr id="5" name="コンテンツ プレースホルダー 4">
+            <a:extLst>
+              <a:ext uri="{FF2B5EF4-FFF2-40B4-BE49-F238E27FC236}">
+                <a16:creationId xmlns:a16="http://schemas.microsoft.com/office/drawing/2014/main" id="{667C7D32-7522-132B-E691-8C15EAA82C4C}"/>
+              </a:ext>
+            </a:extLst>
+          </p:cNvPr>
+          <p:cNvSpPr>
+            <a:spLocks noGrp="1"/>
+          </p:cNvSpPr>
+          <p:nvPr>
+            <p:ph idx="1"/>
+          </p:nvPr>
+        </p:nvSpPr>
+        <p:spPr/>
+        <p:txBody>
+          <a:bodyPr anchor="ctr"/>
+          <a:lstStyle/>
+          <a:p>
+            <a:r>
+              <a:rPr lang="ja-JP" altLang="en-US" dirty="0"/>
+              <a:t>本研究では機械学習の中でも</a:t>
+            </a:r>
+            <a:r>
+              <a:rPr lang="ja-JP" altLang="en-US" b="1" dirty="0"/>
+              <a:t>強化学習（深層強化学習）</a:t>
+            </a:r>
+            <a:r>
+              <a:rPr lang="ja-JP" altLang="en-US" dirty="0"/>
+              <a:t>に分類される方法で　　行った。</a:t>
+            </a:r>
+            <a:endParaRPr lang="en-US" altLang="ja-JP" dirty="0"/>
+          </a:p>
+          <a:p>
+            <a:r>
+              <a:rPr kumimoji="1" lang="ja-JP" altLang="en-US" dirty="0"/>
+              <a:t>強化学習とは</a:t>
+            </a:r>
+            <a:r>
+              <a:rPr kumimoji="1" lang="en-US" altLang="ja-JP" dirty="0"/>
+              <a:t>AI</a:t>
+            </a:r>
+            <a:r>
+              <a:rPr kumimoji="1" lang="ja-JP" altLang="en-US" dirty="0"/>
+              <a:t>の選択した行動の内、</a:t>
+            </a:r>
+            <a:r>
+              <a:rPr kumimoji="1" lang="ja-JP" altLang="en-US" b="1" dirty="0"/>
+              <a:t>良い行動には加点</a:t>
+            </a:r>
+            <a:r>
+              <a:rPr kumimoji="1" lang="ja-JP" altLang="en-US" dirty="0"/>
+              <a:t>し、　　　　　　　　　　　　　　　　　　　　　　　　　　　</a:t>
+            </a:r>
+            <a:r>
+              <a:rPr kumimoji="1" lang="ja-JP" altLang="en-US" b="1" dirty="0"/>
+              <a:t>悪い行動は減点する</a:t>
+            </a:r>
+            <a:r>
+              <a:rPr kumimoji="1" lang="ja-JP" altLang="en-US" dirty="0"/>
+              <a:t>といった方式で、いわば</a:t>
+            </a:r>
+            <a:r>
+              <a:rPr lang="ja-JP" altLang="en-US" b="1" dirty="0"/>
+              <a:t>試行錯誤</a:t>
+            </a:r>
+            <a:r>
+              <a:rPr lang="ja-JP" altLang="en-US" dirty="0"/>
+              <a:t>をする学習方法である。</a:t>
+            </a:r>
+            <a:endParaRPr lang="en-US" altLang="ja-JP" dirty="0"/>
+          </a:p>
+          <a:p>
+            <a:pPr lvl="1"/>
+            <a:r>
+              <a:rPr lang="ja-JP" altLang="en-US" dirty="0"/>
+              <a:t>具体的な言い方をすれば、</a:t>
+            </a:r>
+            <a:r>
+              <a:rPr lang="en-US" altLang="ja-JP" dirty="0"/>
+              <a:t>AI</a:t>
+            </a:r>
+            <a:r>
+              <a:rPr lang="ja-JP" altLang="en-US" dirty="0"/>
+              <a:t>の選択した行動によって得られる報酬</a:t>
+            </a:r>
+            <a:r>
+              <a:rPr lang="en-US" altLang="ja-JP" dirty="0"/>
+              <a:t>(</a:t>
+            </a:r>
+            <a:r>
+              <a:rPr lang="ja-JP" altLang="en-US" dirty="0"/>
+              <a:t>点数</a:t>
+            </a:r>
+            <a:r>
+              <a:rPr lang="en-US" altLang="ja-JP" dirty="0"/>
+              <a:t>)</a:t>
+            </a:r>
+            <a:r>
+              <a:rPr lang="ja-JP" altLang="en-US" dirty="0"/>
+              <a:t>を最大化するような行動を学習し、適切な行動</a:t>
+            </a:r>
+            <a:r>
+              <a:rPr lang="en-US" altLang="ja-JP" dirty="0"/>
+              <a:t>(</a:t>
+            </a:r>
+            <a:r>
+              <a:rPr lang="ja-JP" altLang="en-US" dirty="0"/>
+              <a:t>出力</a:t>
+            </a:r>
+            <a:r>
+              <a:rPr lang="en-US" altLang="ja-JP" dirty="0"/>
+              <a:t>)</a:t>
+            </a:r>
+            <a:r>
+              <a:rPr lang="ja-JP" altLang="en-US" dirty="0"/>
+              <a:t>をできるようにするようなアルゴルズムのこと。</a:t>
+            </a:r>
+            <a:endParaRPr lang="en-US" altLang="ja-JP" dirty="0"/>
+          </a:p>
+          <a:p>
+            <a:pPr lvl="1"/>
+            <a:r>
+              <a:rPr lang="ja-JP" altLang="en-US" dirty="0"/>
+              <a:t>ドロケーなどのゲームのように事前に教師データなどを用意するのが難しいタスクに適している手法。</a:t>
+            </a:r>
+            <a:endParaRPr lang="en-US" altLang="ja-JP" dirty="0"/>
+          </a:p>
+          <a:p>
+            <a:pPr lvl="1"/>
+            <a:endParaRPr lang="en-US" altLang="ja-JP" dirty="0"/>
+          </a:p>
+          <a:p>
+            <a:r>
+              <a:rPr lang="ja-JP" altLang="en-US" dirty="0"/>
+              <a:t>強化学習には現在まで様々なアルゴリズムがあるが、今回は</a:t>
+            </a:r>
+            <a:r>
+              <a:rPr lang="en-US" altLang="ja-JP" b="1" dirty="0"/>
+              <a:t>MA-POCA</a:t>
+            </a:r>
+            <a:r>
+              <a:rPr lang="ja-JP" altLang="en-US" dirty="0"/>
+              <a:t>と呼ばれる　　アルゴリズムを採用した。</a:t>
+            </a:r>
+            <a:endParaRPr lang="en-US" altLang="ja-JP" dirty="0"/>
+          </a:p>
+        </p:txBody>
+      </p:sp>
+    </p:spTree>
+    <p:extLst>
+      <p:ext uri="{BB962C8B-B14F-4D97-AF65-F5344CB8AC3E}">
+        <p14:creationId xmlns:p14="http://schemas.microsoft.com/office/powerpoint/2010/main" val="1683477630"/>
+      </p:ext>
+    </p:extLst>
+  </p:cSld>
+  <p:clrMapOvr>
+    <a:masterClrMapping/>
+  </p:clrMapOvr>
+</p:sld>
+</file>
+
+<file path=ppt/slides/slide12.xml><?xml version="1.0" encoding="utf-8"?>
+<p:sld xmlns:a="http://schemas.openxmlformats.org/drawingml/2006/main" xmlns:r="http://schemas.openxmlformats.org/officeDocument/2006/relationships" xmlns:p="http://schemas.openxmlformats.org/presentationml/2006/main">
+  <p:cSld>
+    <p:spTree>
+      <p:nvGrpSpPr>
+        <p:cNvPr id="1" name=""/>
+        <p:cNvGrpSpPr/>
+        <p:nvPr/>
+      </p:nvGrpSpPr>
+      <p:grpSpPr>
+        <a:xfrm>
+          <a:off x="0" y="0"/>
+          <a:ext cx="0" cy="0"/>
+          <a:chOff x="0" y="0"/>
+          <a:chExt cx="0" cy="0"/>
+        </a:xfrm>
+      </p:grpSpPr>
+      <p:sp>
+        <p:nvSpPr>
+          <p:cNvPr id="2" name="フッター プレースホルダー 1">
+            <a:extLst>
+              <a:ext uri="{FF2B5EF4-FFF2-40B4-BE49-F238E27FC236}">
+                <a16:creationId xmlns:a16="http://schemas.microsoft.com/office/drawing/2014/main" id="{462D4E20-BEB5-1D0B-FCD6-BB4636860927}"/>
+              </a:ext>
+            </a:extLst>
+          </p:cNvPr>
+          <p:cNvSpPr>
+            <a:spLocks noGrp="1"/>
+          </p:cNvSpPr>
+          <p:nvPr>
+            <p:ph type="ftr" sz="quarter" idx="17"/>
+          </p:nvPr>
+        </p:nvSpPr>
+        <p:spPr/>
+        <p:txBody>
+          <a:bodyPr/>
+          <a:lstStyle/>
+          <a:p>
+            <a:r>
+              <a:rPr lang="ja-JP" altLang="en-US" dirty="0"/>
+              <a:t>フッターを追加</a:t>
+            </a:r>
+          </a:p>
+        </p:txBody>
+      </p:sp>
+      <p:sp>
+        <p:nvSpPr>
+          <p:cNvPr id="3" name="スライド番号プレースホルダー 2">
+            <a:extLst>
+              <a:ext uri="{FF2B5EF4-FFF2-40B4-BE49-F238E27FC236}">
+                <a16:creationId xmlns:a16="http://schemas.microsoft.com/office/drawing/2014/main" id="{BD4FEE23-6E30-AFEF-C99E-C96CBAA9C4BA}"/>
+              </a:ext>
+            </a:extLst>
+          </p:cNvPr>
+          <p:cNvSpPr>
+            <a:spLocks noGrp="1"/>
+          </p:cNvSpPr>
+          <p:nvPr>
+            <p:ph type="sldNum" sz="quarter" idx="18"/>
+          </p:nvPr>
+        </p:nvSpPr>
+        <p:spPr/>
+        <p:txBody>
+          <a:bodyPr/>
+          <a:lstStyle/>
+          <a:p>
+            <a:fld id="{8699F50C-BE38-4BD0-BA84-9B090E1F2B9B}" type="slidenum">
+              <a:rPr lang="en-US" altLang="ja-JP" smtClean="0"/>
+              <a:pPr/>
+              <a:t>12</a:t>
+            </a:fld>
+            <a:endParaRPr lang="ja-JP" altLang="en-US" dirty="0"/>
+          </a:p>
+        </p:txBody>
+      </p:sp>
+      <p:sp>
+        <p:nvSpPr>
+          <p:cNvPr id="4" name="タイトル 3">
+            <a:extLst>
+              <a:ext uri="{FF2B5EF4-FFF2-40B4-BE49-F238E27FC236}">
+                <a16:creationId xmlns:a16="http://schemas.microsoft.com/office/drawing/2014/main" id="{544C1B3B-A5D6-B3DC-D28D-D3C1FCD2CABF}"/>
+              </a:ext>
+            </a:extLst>
+          </p:cNvPr>
+          <p:cNvSpPr>
+            <a:spLocks noGrp="1"/>
+          </p:cNvSpPr>
+          <p:nvPr>
+            <p:ph type="title"/>
+          </p:nvPr>
+        </p:nvSpPr>
+        <p:spPr/>
+        <p:txBody>
+          <a:bodyPr/>
+          <a:lstStyle/>
+          <a:p>
+            <a:r>
+              <a:rPr lang="en-US" altLang="ja-JP" dirty="0"/>
+              <a:t>2.3 </a:t>
+            </a:r>
+            <a:r>
+              <a:rPr lang="ja-JP" altLang="en-US" dirty="0"/>
+              <a:t>学習アルゴリズムについて</a:t>
+            </a:r>
+            <a:endParaRPr kumimoji="1" lang="ja-JP" altLang="en-US" dirty="0"/>
+          </a:p>
+        </p:txBody>
+      </p:sp>
+      <p:sp>
+        <p:nvSpPr>
+          <p:cNvPr id="5" name="コンテンツ プレースホルダー 4">
+            <a:extLst>
+              <a:ext uri="{FF2B5EF4-FFF2-40B4-BE49-F238E27FC236}">
+                <a16:creationId xmlns:a16="http://schemas.microsoft.com/office/drawing/2014/main" id="{B6365334-A653-D573-027B-E1AA94B76016}"/>
+              </a:ext>
+            </a:extLst>
+          </p:cNvPr>
+          <p:cNvSpPr>
+            <a:spLocks noGrp="1"/>
+          </p:cNvSpPr>
+          <p:nvPr>
+            <p:ph idx="1"/>
+          </p:nvPr>
+        </p:nvSpPr>
+        <p:spPr>
+          <a:xfrm>
+            <a:off x="518678" y="1671924"/>
+            <a:ext cx="10835122" cy="4684426"/>
+          </a:xfrm>
+        </p:spPr>
+        <p:txBody>
+          <a:bodyPr anchor="ctr"/>
+          <a:lstStyle/>
+          <a:p>
+            <a:r>
+              <a:rPr kumimoji="1" lang="en-US" altLang="ja-JP" dirty="0"/>
+              <a:t>Multi-Agent </a:t>
+            </a:r>
+            <a:r>
+              <a:rPr kumimoji="1" lang="en-US" altLang="ja-JP" dirty="0" err="1"/>
+              <a:t>POsthumous</a:t>
+            </a:r>
+            <a:r>
+              <a:rPr kumimoji="1" lang="en-US" altLang="ja-JP" dirty="0"/>
+              <a:t> Credit Assignment </a:t>
+            </a:r>
+            <a:r>
+              <a:rPr kumimoji="1" lang="ja-JP" altLang="en-US" dirty="0"/>
+              <a:t>の略</a:t>
+            </a:r>
+            <a:endParaRPr kumimoji="1" lang="en-US" altLang="ja-JP" dirty="0"/>
+          </a:p>
+          <a:p>
+            <a:pPr lvl="1"/>
+            <a:r>
+              <a:rPr kumimoji="1" lang="en-US" altLang="ja-JP" dirty="0"/>
+              <a:t>Posthumous Credit Assignment</a:t>
+            </a:r>
+            <a:r>
+              <a:rPr kumimoji="1" lang="ja-JP" altLang="en-US" dirty="0"/>
+              <a:t>：死後信用割り当て の意</a:t>
+            </a:r>
+            <a:endParaRPr lang="en-US" altLang="ja-JP" dirty="0"/>
+          </a:p>
+          <a:p>
+            <a:pPr marL="457200" lvl="1" indent="0">
+              <a:buNone/>
+            </a:pPr>
+            <a:r>
+              <a:rPr kumimoji="1" lang="en-US" altLang="ja-JP" sz="1600" dirty="0"/>
+              <a:t>※</a:t>
+            </a:r>
+            <a:r>
+              <a:rPr kumimoji="1" lang="ja-JP" altLang="en-US" sz="1600" dirty="0"/>
+              <a:t>本アルゴリズムの具体的な説明：</a:t>
+            </a:r>
+            <a:r>
+              <a:rPr lang="en-US" altLang="ja-JP" sz="1600" dirty="0">
+                <a:hlinkClick r:id="rId2"/>
+              </a:rPr>
+              <a:t>https://ai-scholar.tech/articles/reinforcement-learning/MA-POCA</a:t>
+            </a:r>
+            <a:endParaRPr kumimoji="1" lang="en-US" altLang="ja-JP" sz="1600" dirty="0"/>
+          </a:p>
+          <a:p>
+            <a:r>
+              <a:rPr lang="ja-JP" altLang="en-US" dirty="0"/>
+              <a:t>環境内の</a:t>
+            </a:r>
+            <a:r>
+              <a:rPr lang="ja-JP" altLang="en-US" b="1" dirty="0"/>
+              <a:t>エージェント数の増減に対応</a:t>
+            </a:r>
+            <a:r>
+              <a:rPr lang="ja-JP" altLang="en-US" dirty="0"/>
+              <a:t>した、マルチエージェント</a:t>
+            </a:r>
+            <a:r>
+              <a:rPr lang="en-US" altLang="ja-JP" dirty="0"/>
+              <a:t>RL</a:t>
+            </a:r>
+            <a:r>
+              <a:rPr lang="ja-JP" altLang="en-US" dirty="0"/>
+              <a:t>アルゴルズム</a:t>
+            </a:r>
+            <a:endParaRPr lang="en-US" altLang="ja-JP" dirty="0"/>
+          </a:p>
+          <a:p>
+            <a:pPr lvl="1"/>
+            <a:r>
+              <a:rPr kumimoji="1" lang="ja-JP" altLang="en-US" dirty="0"/>
+              <a:t>多くの</a:t>
+            </a:r>
+            <a:r>
+              <a:rPr kumimoji="1" lang="en-US" altLang="ja-JP" dirty="0"/>
+              <a:t>RL</a:t>
+            </a:r>
+            <a:r>
+              <a:rPr kumimoji="1" lang="ja-JP" altLang="en-US" dirty="0"/>
+              <a:t>アルゴリズムは、</a:t>
+            </a:r>
+            <a:r>
+              <a:rPr lang="ja-JP" altLang="en-US" dirty="0"/>
+              <a:t>シングルエージェント</a:t>
+            </a:r>
+            <a:r>
+              <a:rPr kumimoji="1" lang="ja-JP" altLang="en-US" dirty="0"/>
+              <a:t>を前提としたものであるため、　　　　　　　　　　　　　　　　　　　　複数の仲間がいるドロケーには不向き。</a:t>
+            </a:r>
+            <a:endParaRPr kumimoji="1" lang="en-US" altLang="ja-JP" dirty="0"/>
+          </a:p>
+          <a:p>
+            <a:pPr lvl="1"/>
+            <a:r>
+              <a:rPr lang="ja-JP" altLang="en-US" dirty="0"/>
+              <a:t>他の強化学習アルゴリズムは、環境内のエージェント数が固定されることを前提としたアルゴルズムのため、ドロケーには適さない。</a:t>
+            </a:r>
+            <a:endParaRPr lang="en-US" altLang="ja-JP" dirty="0"/>
+          </a:p>
+          <a:p>
+            <a:pPr lvl="1"/>
+            <a:r>
+              <a:rPr lang="ja-JP" altLang="en-US" dirty="0"/>
+              <a:t>このように</a:t>
+            </a:r>
+            <a:r>
+              <a:rPr kumimoji="1" lang="ja-JP" altLang="en-US" dirty="0"/>
+              <a:t>実世界のチームプレイを要するタスクは、突然仲間がいなくなることもある。　　　　　　　　　　　　　　　　　　　　　　　　　　　　　　　　　　従来のアルゴリズムではこのような、ゲーム中に起こる仲間の数の増減にうまく対応できず、　　　　　　　　　　　　　　　　　　　　性能が悪化したりする傾向がある。</a:t>
+            </a:r>
+            <a:endParaRPr kumimoji="1" lang="en-US" altLang="ja-JP" dirty="0"/>
+          </a:p>
+        </p:txBody>
+      </p:sp>
+    </p:spTree>
+    <p:extLst>
+      <p:ext uri="{BB962C8B-B14F-4D97-AF65-F5344CB8AC3E}">
+        <p14:creationId xmlns:p14="http://schemas.microsoft.com/office/powerpoint/2010/main" val="1324906070"/>
+      </p:ext>
+    </p:extLst>
+  </p:cSld>
+  <p:clrMapOvr>
+    <a:masterClrMapping/>
+  </p:clrMapOvr>
+</p:sld>
+</file>
+
+<file path=ppt/slides/slide13.xml><?xml version="1.0" encoding="utf-8"?>
+<p:sld xmlns:a="http://schemas.openxmlformats.org/drawingml/2006/main" xmlns:r="http://schemas.openxmlformats.org/officeDocument/2006/relationships" xmlns:p="http://schemas.openxmlformats.org/presentationml/2006/main">
+  <p:cSld>
+    <p:spTree>
+      <p:nvGrpSpPr>
+        <p:cNvPr id="1" name=""/>
+        <p:cNvGrpSpPr/>
+        <p:nvPr/>
+      </p:nvGrpSpPr>
+      <p:grpSpPr>
+        <a:xfrm>
+          <a:off x="0" y="0"/>
+          <a:ext cx="0" cy="0"/>
+          <a:chOff x="0" y="0"/>
+          <a:chExt cx="0" cy="0"/>
+        </a:xfrm>
+      </p:grpSpPr>
+      <p:sp>
+        <p:nvSpPr>
+          <p:cNvPr id="2" name="フッター プレースホルダー 1">
+            <a:extLst>
+              <a:ext uri="{FF2B5EF4-FFF2-40B4-BE49-F238E27FC236}">
+                <a16:creationId xmlns:a16="http://schemas.microsoft.com/office/drawing/2014/main" id="{E3ECDDB6-4A05-8C8A-7BA6-3BA9766F1003}"/>
+              </a:ext>
+            </a:extLst>
+          </p:cNvPr>
+          <p:cNvSpPr>
+            <a:spLocks noGrp="1"/>
+          </p:cNvSpPr>
+          <p:nvPr>
+            <p:ph type="ftr" sz="quarter" idx="17"/>
+          </p:nvPr>
+        </p:nvSpPr>
+        <p:spPr/>
+        <p:txBody>
+          <a:bodyPr/>
+          <a:lstStyle/>
+          <a:p>
+            <a:r>
+              <a:rPr lang="ja-JP" altLang="en-US"/>
+              <a:t>フッターを追加</a:t>
+            </a:r>
+            <a:endParaRPr lang="ja-JP" altLang="en-US" dirty="0"/>
+          </a:p>
+        </p:txBody>
+      </p:sp>
+      <p:sp>
+        <p:nvSpPr>
+          <p:cNvPr id="3" name="スライド番号プレースホルダー 2">
+            <a:extLst>
+              <a:ext uri="{FF2B5EF4-FFF2-40B4-BE49-F238E27FC236}">
+                <a16:creationId xmlns:a16="http://schemas.microsoft.com/office/drawing/2014/main" id="{BBACA711-515A-8695-1F77-1FE4C845B74B}"/>
+              </a:ext>
+            </a:extLst>
+          </p:cNvPr>
+          <p:cNvSpPr>
+            <a:spLocks noGrp="1"/>
+          </p:cNvSpPr>
+          <p:nvPr>
+            <p:ph type="sldNum" sz="quarter" idx="18"/>
+          </p:nvPr>
+        </p:nvSpPr>
+        <p:spPr/>
+        <p:txBody>
+          <a:bodyPr/>
+          <a:lstStyle/>
+          <a:p>
+            <a:fld id="{8699F50C-BE38-4BD0-BA84-9B090E1F2B9B}" type="slidenum">
+              <a:rPr lang="en-US" altLang="ja-JP" smtClean="0"/>
+              <a:pPr/>
+              <a:t>13</a:t>
+            </a:fld>
+            <a:endParaRPr lang="ja-JP" altLang="en-US" dirty="0"/>
+          </a:p>
+        </p:txBody>
+      </p:sp>
+      <p:sp>
+        <p:nvSpPr>
+          <p:cNvPr id="4" name="タイトル 3">
+            <a:extLst>
+              <a:ext uri="{FF2B5EF4-FFF2-40B4-BE49-F238E27FC236}">
+                <a16:creationId xmlns:a16="http://schemas.microsoft.com/office/drawing/2014/main" id="{1A900E78-E7F2-0226-CF75-137B9C103364}"/>
+              </a:ext>
+            </a:extLst>
+          </p:cNvPr>
+          <p:cNvSpPr>
+            <a:spLocks noGrp="1"/>
+          </p:cNvSpPr>
+          <p:nvPr>
+            <p:ph type="title"/>
+          </p:nvPr>
+        </p:nvSpPr>
+        <p:spPr/>
+        <p:txBody>
+          <a:bodyPr/>
+          <a:lstStyle/>
+          <a:p>
+            <a:r>
+              <a:rPr lang="en-US" altLang="ja-JP" dirty="0"/>
+              <a:t>2.3 </a:t>
+            </a:r>
+            <a:r>
+              <a:rPr lang="ja-JP" altLang="en-US" dirty="0"/>
+              <a:t>学習アルゴリズムについて</a:t>
+            </a:r>
+            <a:endParaRPr kumimoji="1" lang="ja-JP" altLang="en-US" dirty="0"/>
+          </a:p>
+        </p:txBody>
+      </p:sp>
+      <p:sp>
+        <p:nvSpPr>
+          <p:cNvPr id="5" name="コンテンツ プレースホルダー 4">
+            <a:extLst>
+              <a:ext uri="{FF2B5EF4-FFF2-40B4-BE49-F238E27FC236}">
+                <a16:creationId xmlns:a16="http://schemas.microsoft.com/office/drawing/2014/main" id="{6B66A54A-43D5-933B-A991-C78B02DDCEF5}"/>
+              </a:ext>
+            </a:extLst>
+          </p:cNvPr>
+          <p:cNvSpPr>
+            <a:spLocks noGrp="1"/>
+          </p:cNvSpPr>
+          <p:nvPr>
+            <p:ph idx="1"/>
+          </p:nvPr>
+        </p:nvSpPr>
+        <p:spPr/>
+        <p:txBody>
+          <a:bodyPr/>
+          <a:lstStyle/>
+          <a:p>
+            <a:r>
+              <a:rPr kumimoji="1" lang="en-US" altLang="ja-JP" dirty="0"/>
+              <a:t>ML-Agents</a:t>
+            </a:r>
+            <a:r>
+              <a:rPr kumimoji="1" lang="ja-JP" altLang="en-US" dirty="0"/>
+              <a:t>では、このように複数のチームに分かれて、チームごとの学習を進めることのできる機能が提供されている。（協調行動学習のサポート）</a:t>
+            </a:r>
+            <a:endParaRPr kumimoji="1" lang="en-US" altLang="ja-JP" dirty="0"/>
+          </a:p>
+          <a:p>
+            <a:endParaRPr kumimoji="1" lang="ja-JP" altLang="en-US" dirty="0"/>
+          </a:p>
+        </p:txBody>
+      </p:sp>
+    </p:spTree>
+    <p:extLst>
+      <p:ext uri="{BB962C8B-B14F-4D97-AF65-F5344CB8AC3E}">
+        <p14:creationId xmlns:p14="http://schemas.microsoft.com/office/powerpoint/2010/main" val="2401298823"/>
+      </p:ext>
+    </p:extLst>
+  </p:cSld>
+  <p:clrMapOvr>
+    <a:masterClrMapping/>
+  </p:clrMapOvr>
+</p:sld>
+</file>
+
+<file path=ppt/slides/slide14.xml><?xml version="1.0" encoding="utf-8"?>
+<p:sld xmlns:a="http://schemas.openxmlformats.org/drawingml/2006/main" xmlns:r="http://schemas.openxmlformats.org/officeDocument/2006/relationships" xmlns:p="http://schemas.openxmlformats.org/presentationml/2006/main">
+  <p:cSld>
+    <p:spTree>
+      <p:nvGrpSpPr>
+        <p:cNvPr id="1" name=""/>
+        <p:cNvGrpSpPr/>
+        <p:nvPr/>
+      </p:nvGrpSpPr>
+      <p:grpSpPr>
+        <a:xfrm>
+          <a:off x="0" y="0"/>
+          <a:ext cx="0" cy="0"/>
+          <a:chOff x="0" y="0"/>
+          <a:chExt cx="0" cy="0"/>
+        </a:xfrm>
+      </p:grpSpPr>
+      <p:sp>
+        <p:nvSpPr>
+          <p:cNvPr id="2" name="フッター プレースホルダー 1">
+            <a:extLst>
+              <a:ext uri="{FF2B5EF4-FFF2-40B4-BE49-F238E27FC236}">
+                <a16:creationId xmlns:a16="http://schemas.microsoft.com/office/drawing/2014/main" id="{69BD765C-CBB7-9ECA-95EB-5EEE070B3C75}"/>
+              </a:ext>
+            </a:extLst>
+          </p:cNvPr>
+          <p:cNvSpPr>
+            <a:spLocks noGrp="1"/>
+          </p:cNvSpPr>
+          <p:nvPr>
+            <p:ph type="ftr" sz="quarter" idx="17"/>
+          </p:nvPr>
+        </p:nvSpPr>
+        <p:spPr/>
+        <p:txBody>
+          <a:bodyPr/>
+          <a:lstStyle/>
+          <a:p>
+            <a:r>
+              <a:rPr lang="ja-JP" altLang="en-US" dirty="0"/>
+              <a:t>フッターを追加</a:t>
+            </a:r>
+          </a:p>
+        </p:txBody>
+      </p:sp>
+      <p:sp>
+        <p:nvSpPr>
+          <p:cNvPr id="3" name="スライド番号プレースホルダー 2">
+            <a:extLst>
+              <a:ext uri="{FF2B5EF4-FFF2-40B4-BE49-F238E27FC236}">
+                <a16:creationId xmlns:a16="http://schemas.microsoft.com/office/drawing/2014/main" id="{178E6EDA-208E-B958-7DF9-C4F1D35A64E5}"/>
+              </a:ext>
+            </a:extLst>
+          </p:cNvPr>
+          <p:cNvSpPr>
+            <a:spLocks noGrp="1"/>
+          </p:cNvSpPr>
+          <p:nvPr>
+            <p:ph type="sldNum" sz="quarter" idx="18"/>
+          </p:nvPr>
+        </p:nvSpPr>
+        <p:spPr/>
+        <p:txBody>
+          <a:bodyPr/>
+          <a:lstStyle/>
+          <a:p>
+            <a:fld id="{8699F50C-BE38-4BD0-BA84-9B090E1F2B9B}" type="slidenum">
+              <a:rPr lang="en-US" altLang="ja-JP" smtClean="0"/>
+              <a:pPr/>
+              <a:t>14</a:t>
+            </a:fld>
+            <a:endParaRPr lang="ja-JP" altLang="en-US" dirty="0"/>
+          </a:p>
+        </p:txBody>
+      </p:sp>
+      <p:sp>
+        <p:nvSpPr>
+          <p:cNvPr id="4" name="タイトル 3">
+            <a:extLst>
+              <a:ext uri="{FF2B5EF4-FFF2-40B4-BE49-F238E27FC236}">
+                <a16:creationId xmlns:a16="http://schemas.microsoft.com/office/drawing/2014/main" id="{20B63936-2C46-DB87-DFD9-D97AAB871C2D}"/>
+              </a:ext>
+            </a:extLst>
+          </p:cNvPr>
+          <p:cNvSpPr>
+            <a:spLocks noGrp="1"/>
+          </p:cNvSpPr>
+          <p:nvPr>
+            <p:ph type="title"/>
+          </p:nvPr>
+        </p:nvSpPr>
         <p:spPr>
           <a:xfrm>
             <a:off x="518678" y="209028"/>
@@ -14898,7 +15630,7 @@
             <a:pPr lvl="1"/>
             <a:r>
               <a:rPr kumimoji="1" lang="ja-JP" altLang="en-US" dirty="0"/>
-              <a:t>加点対象（プラスの報酬を与える場合）</a:t>
+              <a:t>加点対象</a:t>
             </a:r>
             <a:endParaRPr kumimoji="1" lang="en-US" altLang="ja-JP" dirty="0"/>
           </a:p>
@@ -14938,7 +15670,7 @@
             <a:pPr lvl="1"/>
             <a:r>
               <a:rPr lang="ja-JP" altLang="en-US" dirty="0"/>
-              <a:t>減点対象（マイナスの報酬を与える場合）</a:t>
+              <a:t>減点対象</a:t>
             </a:r>
             <a:endParaRPr lang="en-US" altLang="ja-JP" dirty="0"/>
           </a:p>
@@ -15123,7 +15855,7 @@
 </p:sld>
 </file>
 
-<file path=ppt/slides/slide12.xml><?xml version="1.0" encoding="utf-8"?>
+<file path=ppt/slides/slide15.xml><?xml version="1.0" encoding="utf-8"?>
 <p:sld xmlns:a="http://schemas.openxmlformats.org/drawingml/2006/main" xmlns:r="http://schemas.openxmlformats.org/officeDocument/2006/relationships" xmlns:p="http://schemas.openxmlformats.org/presentationml/2006/main">
   <p:cSld>
     <p:spTree>
@@ -15256,7 +15988,7 @@
             <a:fld id="{8699F50C-BE38-4BD0-BA84-9B090E1F2B9B}" type="slidenum">
               <a:rPr lang="en-US" altLang="ja-JP" smtClean="0"/>
               <a:pPr/>
-              <a:t>12</a:t>
+              <a:t>15</a:t>
             </a:fld>
             <a:endParaRPr lang="ja-JP" altLang="en-US" dirty="0"/>
           </a:p>
@@ -15275,7 +16007,112 @@
 </p:sld>
 </file>
 
-<file path=ppt/slides/slide13.xml><?xml version="1.0" encoding="utf-8"?>
+<file path=ppt/slides/slide16.xml><?xml version="1.0" encoding="utf-8"?>
+<p:sld xmlns:a="http://schemas.openxmlformats.org/drawingml/2006/main" xmlns:r="http://schemas.openxmlformats.org/officeDocument/2006/relationships" xmlns:p="http://schemas.openxmlformats.org/presentationml/2006/main">
+  <p:cSld>
+    <p:spTree>
+      <p:nvGrpSpPr>
+        <p:cNvPr id="1" name=""/>
+        <p:cNvGrpSpPr/>
+        <p:nvPr/>
+      </p:nvGrpSpPr>
+      <p:grpSpPr>
+        <a:xfrm>
+          <a:off x="0" y="0"/>
+          <a:ext cx="0" cy="0"/>
+          <a:chOff x="0" y="0"/>
+          <a:chExt cx="0" cy="0"/>
+        </a:xfrm>
+      </p:grpSpPr>
+      <p:sp>
+        <p:nvSpPr>
+          <p:cNvPr id="4" name="タイトル 3">
+            <a:extLst>
+              <a:ext uri="{FF2B5EF4-FFF2-40B4-BE49-F238E27FC236}">
+                <a16:creationId xmlns:a16="http://schemas.microsoft.com/office/drawing/2014/main" id="{8BAD308A-C677-CBCF-1678-706FE348C595}"/>
+              </a:ext>
+            </a:extLst>
+          </p:cNvPr>
+          <p:cNvSpPr>
+            <a:spLocks noGrp="1"/>
+          </p:cNvSpPr>
+          <p:nvPr>
+            <p:ph type="title"/>
+          </p:nvPr>
+        </p:nvSpPr>
+        <p:spPr/>
+        <p:txBody>
+          <a:bodyPr/>
+          <a:lstStyle/>
+          <a:p>
+            <a:endParaRPr lang="ja-JP" altLang="en-US" dirty="0"/>
+          </a:p>
+        </p:txBody>
+      </p:sp>
+      <p:sp>
+        <p:nvSpPr>
+          <p:cNvPr id="5" name="コンテンツ プレースホルダー 4">
+            <a:extLst>
+              <a:ext uri="{FF2B5EF4-FFF2-40B4-BE49-F238E27FC236}">
+                <a16:creationId xmlns:a16="http://schemas.microsoft.com/office/drawing/2014/main" id="{16A451F6-F46C-F6CA-EC62-AC145DB2048A}"/>
+              </a:ext>
+            </a:extLst>
+          </p:cNvPr>
+          <p:cNvSpPr>
+            <a:spLocks noGrp="1"/>
+          </p:cNvSpPr>
+          <p:nvPr>
+            <p:ph sz="half" idx="1"/>
+          </p:nvPr>
+        </p:nvSpPr>
+        <p:spPr/>
+        <p:txBody>
+          <a:bodyPr/>
+          <a:lstStyle/>
+          <a:p>
+            <a:endParaRPr lang="ja-JP" altLang="en-US" dirty="0"/>
+          </a:p>
+        </p:txBody>
+      </p:sp>
+      <p:sp>
+        <p:nvSpPr>
+          <p:cNvPr id="6" name="コンテンツ プレースホルダー 5">
+            <a:extLst>
+              <a:ext uri="{FF2B5EF4-FFF2-40B4-BE49-F238E27FC236}">
+                <a16:creationId xmlns:a16="http://schemas.microsoft.com/office/drawing/2014/main" id="{5DA8E4B9-32FB-B9E5-6AB4-D51660FF62C8}"/>
+              </a:ext>
+            </a:extLst>
+          </p:cNvPr>
+          <p:cNvSpPr>
+            <a:spLocks noGrp="1"/>
+          </p:cNvSpPr>
+          <p:nvPr>
+            <p:ph sz="half" idx="2"/>
+          </p:nvPr>
+        </p:nvSpPr>
+        <p:spPr/>
+        <p:txBody>
+          <a:bodyPr/>
+          <a:lstStyle/>
+          <a:p>
+            <a:endParaRPr lang="ja-JP" altLang="en-US"/>
+          </a:p>
+        </p:txBody>
+      </p:sp>
+    </p:spTree>
+    <p:extLst>
+      <p:ext uri="{BB962C8B-B14F-4D97-AF65-F5344CB8AC3E}">
+        <p14:creationId xmlns:p14="http://schemas.microsoft.com/office/powerpoint/2010/main" val="3954773572"/>
+      </p:ext>
+    </p:extLst>
+  </p:cSld>
+  <p:clrMapOvr>
+    <a:masterClrMapping/>
+  </p:clrMapOvr>
+</p:sld>
+</file>
+
+<file path=ppt/slides/slide17.xml><?xml version="1.0" encoding="utf-8"?>
 <p:sld xmlns:a="http://schemas.openxmlformats.org/drawingml/2006/main" xmlns:r="http://schemas.openxmlformats.org/officeDocument/2006/relationships" xmlns:p="http://schemas.openxmlformats.org/presentationml/2006/main">
   <p:cSld>
     <p:spTree>
@@ -15690,13 +16527,13 @@
         </p:nvSpPr>
         <p:spPr>
           <a:xfrm>
-            <a:off x="531378" y="2524051"/>
-            <a:ext cx="4942829" cy="3631140"/>
+            <a:off x="531378" y="2400300"/>
+            <a:ext cx="4942829" cy="3992335"/>
           </a:xfrm>
         </p:spPr>
         <p:txBody>
           <a:bodyPr>
-            <a:normAutofit/>
+            <a:normAutofit fontScale="92500" lnSpcReduction="10000"/>
           </a:bodyPr>
           <a:lstStyle/>
           <a:p>
@@ -15784,6 +16621,39 @@
             <a:r>
               <a:rPr lang="ja-JP" altLang="en-US" dirty="0"/>
               <a:t>結果報告</a:t>
+            </a:r>
+            <a:endParaRPr lang="en-US" altLang="ja-JP" dirty="0"/>
+          </a:p>
+          <a:p>
+            <a:pPr marL="914400" lvl="1" indent="-457200">
+              <a:buFont typeface="+mj-lt"/>
+              <a:buAutoNum type="arabicPeriod"/>
+            </a:pPr>
+            <a:r>
+              <a:rPr lang="ja-JP" altLang="en-US" dirty="0"/>
+              <a:t>全体的な学習中の様子</a:t>
+            </a:r>
+            <a:endParaRPr lang="en-US" altLang="ja-JP" dirty="0"/>
+          </a:p>
+          <a:p>
+            <a:pPr marL="914400" lvl="1" indent="-457200">
+              <a:buFont typeface="+mj-lt"/>
+              <a:buAutoNum type="arabicPeriod"/>
+            </a:pPr>
+            <a:r>
+              <a:rPr lang="ja-JP" altLang="en-US" dirty="0"/>
+              <a:t>結果の統計</a:t>
+            </a:r>
+            <a:endParaRPr lang="en-US" altLang="ja-JP" dirty="0"/>
+          </a:p>
+          <a:p>
+            <a:pPr marL="914400" lvl="1" indent="-457200">
+              <a:buFont typeface="+mj-lt"/>
+              <a:buAutoNum type="arabicPeriod"/>
+            </a:pPr>
+            <a:r>
+              <a:rPr lang="ja-JP" altLang="en-US" dirty="0"/>
+              <a:t>観察できた戦略</a:t>
             </a:r>
             <a:endParaRPr lang="en-US" altLang="ja-JP" dirty="0"/>
           </a:p>
@@ -15823,7 +16693,12 @@
             <p:ph type="title"/>
           </p:nvPr>
         </p:nvSpPr>
-        <p:spPr/>
+        <p:spPr>
+          <a:xfrm>
+            <a:off x="531378" y="1308484"/>
+            <a:ext cx="7342622" cy="732587"/>
+          </a:xfrm>
+        </p:spPr>
         <p:txBody>
           <a:bodyPr/>
           <a:lstStyle/>
@@ -16881,6 +17756,36 @@
           </a:prstGeom>
         </p:spPr>
       </p:pic>
+      <p:pic>
+        <p:nvPicPr>
+          <p:cNvPr id="3" name="図 2">
+            <a:extLst>
+              <a:ext uri="{FF2B5EF4-FFF2-40B4-BE49-F238E27FC236}">
+                <a16:creationId xmlns:a16="http://schemas.microsoft.com/office/drawing/2014/main" id="{22E7433C-1E0C-9819-E060-45E273E957E4}"/>
+              </a:ext>
+            </a:extLst>
+          </p:cNvPr>
+          <p:cNvPicPr>
+            <a:picLocks noChangeAspect="1"/>
+          </p:cNvPicPr>
+          <p:nvPr/>
+        </p:nvPicPr>
+        <p:blipFill>
+          <a:blip r:embed="rId4"/>
+          <a:stretch>
+            <a:fillRect/>
+          </a:stretch>
+        </p:blipFill>
+        <p:spPr>
+          <a:xfrm>
+            <a:off x="6716345" y="3109309"/>
+            <a:ext cx="2419069" cy="1207101"/>
+          </a:xfrm>
+          <a:prstGeom prst="rect">
+            <a:avLst/>
+          </a:prstGeom>
+        </p:spPr>
+      </p:pic>
     </p:spTree>
     <p:extLst>
       <p:ext uri="{BB962C8B-B14F-4D97-AF65-F5344CB8AC3E}">
@@ -16913,10 +17818,146 @@
       </p:grpSpPr>
       <p:sp>
         <p:nvSpPr>
-          <p:cNvPr id="14" name="Footer Placeholder 1">
-            <a:extLst>
-              <a:ext uri="{FF2B5EF4-FFF2-40B4-BE49-F238E27FC236}">
-                <a16:creationId xmlns:a16="http://schemas.microsoft.com/office/drawing/2014/main" id="{0553AAAA-8E0E-39D8-41EA-3AA5F0B19C92}"/>
+          <p:cNvPr id="49" name="フローチャート: 磁気ディスク 48">
+            <a:extLst>
+              <a:ext uri="{FF2B5EF4-FFF2-40B4-BE49-F238E27FC236}">
+                <a16:creationId xmlns:a16="http://schemas.microsoft.com/office/drawing/2014/main" id="{BC2C6451-FE4B-E283-7D76-A34277A0BD01}"/>
+              </a:ext>
+            </a:extLst>
+          </p:cNvPr>
+          <p:cNvSpPr/>
+          <p:nvPr/>
+        </p:nvSpPr>
+        <p:spPr>
+          <a:xfrm>
+            <a:off x="8902001" y="5585660"/>
+            <a:ext cx="742950" cy="388484"/>
+          </a:xfrm>
+          <a:prstGeom prst="flowChartMagneticDisk">
+            <a:avLst/>
+          </a:prstGeom>
+        </p:spPr>
+        <p:style>
+          <a:lnRef idx="2">
+            <a:schemeClr val="dk1">
+              <a:shade val="50000"/>
+            </a:schemeClr>
+          </a:lnRef>
+          <a:fillRef idx="1">
+            <a:schemeClr val="dk1"/>
+          </a:fillRef>
+          <a:effectRef idx="0">
+            <a:schemeClr val="dk1"/>
+          </a:effectRef>
+          <a:fontRef idx="minor">
+            <a:schemeClr val="lt1"/>
+          </a:fontRef>
+        </p:style>
+        <p:txBody>
+          <a:bodyPr rtlCol="0" anchor="ctr"/>
+          <a:lstStyle/>
+          <a:p>
+            <a:pPr algn="ctr"/>
+            <a:endParaRPr kumimoji="1" lang="ja-JP" altLang="en-US"/>
+          </a:p>
+        </p:txBody>
+      </p:sp>
+      <p:sp>
+        <p:nvSpPr>
+          <p:cNvPr id="12" name="四角形: 角を丸くする 11">
+            <a:extLst>
+              <a:ext uri="{FF2B5EF4-FFF2-40B4-BE49-F238E27FC236}">
+                <a16:creationId xmlns:a16="http://schemas.microsoft.com/office/drawing/2014/main" id="{F004F1C1-DBD1-543F-A0EF-C8316AFF7B10}"/>
+              </a:ext>
+            </a:extLst>
+          </p:cNvPr>
+          <p:cNvSpPr/>
+          <p:nvPr/>
+        </p:nvSpPr>
+        <p:spPr>
+          <a:xfrm>
+            <a:off x="1268488" y="2957179"/>
+            <a:ext cx="3388178" cy="1951265"/>
+          </a:xfrm>
+          <a:prstGeom prst="roundRect">
+            <a:avLst/>
+          </a:prstGeom>
+        </p:spPr>
+        <p:style>
+          <a:lnRef idx="2">
+            <a:schemeClr val="accent2">
+              <a:shade val="50000"/>
+            </a:schemeClr>
+          </a:lnRef>
+          <a:fillRef idx="1">
+            <a:schemeClr val="accent2"/>
+          </a:fillRef>
+          <a:effectRef idx="0">
+            <a:schemeClr val="accent2"/>
+          </a:effectRef>
+          <a:fontRef idx="minor">
+            <a:schemeClr val="lt1"/>
+          </a:fontRef>
+        </p:style>
+        <p:txBody>
+          <a:bodyPr rtlCol="0" anchor="ctr"/>
+          <a:lstStyle/>
+          <a:p>
+            <a:pPr algn="ctr"/>
+            <a:endParaRPr kumimoji="1" lang="ja-JP" altLang="en-US"/>
+          </a:p>
+        </p:txBody>
+      </p:sp>
+      <p:sp>
+        <p:nvSpPr>
+          <p:cNvPr id="57" name="吹き出し: 角を丸めた四角形 56">
+            <a:extLst>
+              <a:ext uri="{FF2B5EF4-FFF2-40B4-BE49-F238E27FC236}">
+                <a16:creationId xmlns:a16="http://schemas.microsoft.com/office/drawing/2014/main" id="{1810AEA0-D902-FD22-2E69-6F34C0C7524D}"/>
+              </a:ext>
+            </a:extLst>
+          </p:cNvPr>
+          <p:cNvSpPr/>
+          <p:nvPr/>
+        </p:nvSpPr>
+        <p:spPr>
+          <a:xfrm>
+            <a:off x="4381112" y="2139043"/>
+            <a:ext cx="1942274" cy="1141455"/>
+          </a:xfrm>
+          <a:prstGeom prst="wedgeRoundRectCallout">
+            <a:avLst/>
+          </a:prstGeom>
+        </p:spPr>
+        <p:style>
+          <a:lnRef idx="2">
+            <a:schemeClr val="accent2"/>
+          </a:lnRef>
+          <a:fillRef idx="1">
+            <a:schemeClr val="lt1"/>
+          </a:fillRef>
+          <a:effectRef idx="0">
+            <a:schemeClr val="accent2"/>
+          </a:effectRef>
+          <a:fontRef idx="minor">
+            <a:schemeClr val="dk1"/>
+          </a:fontRef>
+        </p:style>
+        <p:txBody>
+          <a:bodyPr rtlCol="0" anchor="ctr"/>
+          <a:lstStyle/>
+          <a:p>
+            <a:pPr algn="ctr"/>
+            <a:endParaRPr kumimoji="1" lang="ja-JP" altLang="en-US"/>
+          </a:p>
+        </p:txBody>
+      </p:sp>
+      <p:sp>
+        <p:nvSpPr>
+          <p:cNvPr id="2" name="フッター プレースホルダー 1">
+            <a:extLst>
+              <a:ext uri="{FF2B5EF4-FFF2-40B4-BE49-F238E27FC236}">
+                <a16:creationId xmlns:a16="http://schemas.microsoft.com/office/drawing/2014/main" id="{ABBE20BC-2BA8-C82F-46EF-D040CB92F136}"/>
               </a:ext>
             </a:extLst>
           </p:cNvPr>
@@ -16927,23 +17968,13 @@
             <p:ph type="ftr" sz="quarter" idx="17"/>
           </p:nvPr>
         </p:nvSpPr>
-        <p:spPr>
-          <a:xfrm>
-            <a:off x="338530" y="6356350"/>
-            <a:ext cx="4114800" cy="365125"/>
-          </a:xfrm>
-        </p:spPr>
+        <p:spPr/>
         <p:txBody>
           <a:bodyPr/>
           <a:lstStyle/>
           <a:p>
-            <a:pPr>
-              <a:spcAft>
-                <a:spcPts val="600"/>
-              </a:spcAft>
-            </a:pPr>
-            <a:r>
-              <a:rPr lang="ja-JP" altLang="en-US"/>
+            <a:r>
+              <a:rPr lang="ja-JP" altLang="en-US" dirty="0"/>
               <a:t>フッターを追加</a:t>
             </a:r>
           </a:p>
@@ -16951,10 +17982,10 @@
       </p:sp>
       <p:sp>
         <p:nvSpPr>
-          <p:cNvPr id="16" name="Slide Number Placeholder 2">
-            <a:extLst>
-              <a:ext uri="{FF2B5EF4-FFF2-40B4-BE49-F238E27FC236}">
-                <a16:creationId xmlns:a16="http://schemas.microsoft.com/office/drawing/2014/main" id="{B329F06E-3677-FF99-A3D3-95E62EF1C2D3}"/>
+          <p:cNvPr id="3" name="スライド番号プレースホルダー 2">
+            <a:extLst>
+              <a:ext uri="{FF2B5EF4-FFF2-40B4-BE49-F238E27FC236}">
+                <a16:creationId xmlns:a16="http://schemas.microsoft.com/office/drawing/2014/main" id="{09B6BB31-B562-12CC-BC99-F418CD840417}"/>
               </a:ext>
             </a:extLst>
           </p:cNvPr>
@@ -16965,40 +17996,26 @@
             <p:ph type="sldNum" sz="quarter" idx="18"/>
           </p:nvPr>
         </p:nvSpPr>
-        <p:spPr>
-          <a:xfrm>
-            <a:off x="11146971" y="6356350"/>
-            <a:ext cx="740227" cy="365125"/>
-          </a:xfrm>
-        </p:spPr>
+        <p:spPr/>
         <p:txBody>
           <a:bodyPr/>
           <a:lstStyle/>
           <a:p>
-            <a:pPr>
-              <a:spcAft>
-                <a:spcPts val="600"/>
-              </a:spcAft>
-            </a:pPr>
             <a:fld id="{8699F50C-BE38-4BD0-BA84-9B090E1F2B9B}" type="slidenum">
               <a:rPr lang="en-US" altLang="ja-JP" smtClean="0"/>
-              <a:pPr>
-                <a:spcAft>
-                  <a:spcPts val="600"/>
-                </a:spcAft>
-              </a:pPr>
+              <a:pPr/>
               <a:t>8</a:t>
             </a:fld>
-            <a:endParaRPr lang="ja-JP" altLang="en-US"/>
-          </a:p>
-        </p:txBody>
-      </p:sp>
-      <p:sp>
-        <p:nvSpPr>
-          <p:cNvPr id="4" name="タイトル 3">
-            <a:extLst>
-              <a:ext uri="{FF2B5EF4-FFF2-40B4-BE49-F238E27FC236}">
-                <a16:creationId xmlns:a16="http://schemas.microsoft.com/office/drawing/2014/main" id="{F720104F-A008-8C95-7313-1BEAF40BF547}"/>
+            <a:endParaRPr lang="ja-JP" altLang="en-US" dirty="0"/>
+          </a:p>
+        </p:txBody>
+      </p:sp>
+      <p:sp>
+        <p:nvSpPr>
+          <p:cNvPr id="9" name="タイトル 8">
+            <a:extLst>
+              <a:ext uri="{FF2B5EF4-FFF2-40B4-BE49-F238E27FC236}">
+                <a16:creationId xmlns:a16="http://schemas.microsoft.com/office/drawing/2014/main" id="{C4178AA0-7E1D-D2C8-4136-D1CA608D8574}"/>
               </a:ext>
             </a:extLst>
           </p:cNvPr>
@@ -17009,35 +18026,28 @@
             <p:ph type="title"/>
           </p:nvPr>
         </p:nvSpPr>
-        <p:spPr>
-          <a:xfrm>
-            <a:off x="518678" y="209028"/>
-            <a:ext cx="8333222" cy="1147969"/>
-          </a:xfrm>
-        </p:spPr>
-        <p:txBody>
-          <a:bodyPr anchor="b">
-            <a:normAutofit/>
-          </a:bodyPr>
+        <p:spPr/>
+        <p:txBody>
+          <a:bodyPr/>
           <a:lstStyle/>
           <a:p>
             <a:r>
               <a:rPr lang="en-US" altLang="ja-JP" dirty="0"/>
-              <a:t>2.2 </a:t>
+              <a:t>2.1 </a:t>
             </a:r>
             <a:r>
               <a:rPr lang="ja-JP" altLang="en-US" dirty="0"/>
-              <a:t>実験方法の説明</a:t>
-            </a:r>
-          </a:p>
-        </p:txBody>
-      </p:sp>
-      <p:sp>
-        <p:nvSpPr>
-          <p:cNvPr id="5" name="コンテンツ プレースホルダー 4">
-            <a:extLst>
-              <a:ext uri="{FF2B5EF4-FFF2-40B4-BE49-F238E27FC236}">
-                <a16:creationId xmlns:a16="http://schemas.microsoft.com/office/drawing/2014/main" id="{2609ABEA-E730-FA95-EA8C-50BA953E7215}"/>
+              <a:t>使用技術：システムの仕様</a:t>
+            </a:r>
+          </a:p>
+        </p:txBody>
+      </p:sp>
+      <p:sp>
+        <p:nvSpPr>
+          <p:cNvPr id="10" name="コンテンツ プレースホルダー 9">
+            <a:extLst>
+              <a:ext uri="{FF2B5EF4-FFF2-40B4-BE49-F238E27FC236}">
+                <a16:creationId xmlns:a16="http://schemas.microsoft.com/office/drawing/2014/main" id="{81FF8C7A-9213-39DD-8911-20528A2D694F}"/>
               </a:ext>
             </a:extLst>
           </p:cNvPr>
@@ -17045,115 +18055,65 @@
             <a:spLocks noGrp="1"/>
           </p:cNvSpPr>
           <p:nvPr>
-            <p:ph sz="half" idx="1"/>
+            <p:ph idx="1"/>
           </p:nvPr>
         </p:nvSpPr>
-        <p:spPr>
-          <a:xfrm>
-            <a:off x="529687" y="1651044"/>
-            <a:ext cx="5181600" cy="4525919"/>
-          </a:xfrm>
-        </p:spPr>
-        <p:txBody>
-          <a:bodyPr>
-            <a:normAutofit/>
-          </a:bodyPr>
+        <p:spPr/>
+        <p:txBody>
+          <a:bodyPr/>
           <a:lstStyle/>
-          <a:p>
-            <a:r>
-              <a:rPr lang="ja-JP" altLang="en-US" sz="2200" dirty="0"/>
-              <a:t>実験方法について</a:t>
-            </a:r>
-            <a:endParaRPr lang="en-US" altLang="ja-JP" sz="2200" dirty="0"/>
-          </a:p>
-          <a:p>
-            <a:pPr lvl="1"/>
-            <a:r>
-              <a:rPr lang="ja-JP" altLang="en-US" sz="2200" dirty="0"/>
-              <a:t>実験環境として自前で</a:t>
-            </a:r>
-            <a:r>
-              <a:rPr lang="en-US" altLang="ja-JP" sz="2200" dirty="0"/>
-              <a:t>3D</a:t>
-            </a:r>
-            <a:r>
-              <a:rPr lang="ja-JP" altLang="en-US" sz="2200" dirty="0"/>
-              <a:t>ゲーム環境を用意。</a:t>
-            </a:r>
-            <a:endParaRPr lang="en-US" altLang="ja-JP" sz="2200" dirty="0"/>
-          </a:p>
-          <a:p>
-            <a:pPr lvl="1"/>
-            <a:r>
-              <a:rPr lang="ja-JP" altLang="en-US" sz="2200" dirty="0"/>
-              <a:t>警察役</a:t>
-            </a:r>
-            <a:r>
-              <a:rPr lang="en-US" altLang="ja-JP" sz="2200" dirty="0"/>
-              <a:t>AI</a:t>
-            </a:r>
-            <a:r>
-              <a:rPr lang="ja-JP" altLang="en-US" sz="2200" dirty="0"/>
-              <a:t>と犯人役</a:t>
-            </a:r>
-            <a:r>
-              <a:rPr lang="en-US" altLang="ja-JP" sz="2200" dirty="0"/>
-              <a:t>AI</a:t>
-            </a:r>
-            <a:r>
-              <a:rPr lang="ja-JP" altLang="en-US" sz="2200" dirty="0"/>
-              <a:t>の２チームに　分かれて実際にドロケーをさせる。</a:t>
-            </a:r>
-            <a:endParaRPr lang="en-US" altLang="ja-JP" sz="2200" dirty="0"/>
-          </a:p>
-          <a:p>
-            <a:pPr lvl="1"/>
-            <a:r>
-              <a:rPr lang="ja-JP" altLang="en-US" sz="2200" dirty="0"/>
-              <a:t>各チームの人数の変更やフィールド内に障害物を追加するといったことを行い　　どのような戦略がみられるか観察する。</a:t>
-            </a:r>
-            <a:endParaRPr lang="en-US" altLang="ja-JP" sz="2200" dirty="0"/>
-          </a:p>
-          <a:p>
-            <a:r>
-              <a:rPr lang="ja-JP" altLang="en-US" sz="2200" dirty="0"/>
-              <a:t>学習率やその他の設定について</a:t>
-            </a:r>
-            <a:endParaRPr lang="en-US" altLang="ja-JP" sz="2200" dirty="0"/>
-          </a:p>
-          <a:p>
-            <a:pPr lvl="1"/>
-            <a:r>
-              <a:rPr lang="ja-JP" altLang="en-US" sz="2200" dirty="0"/>
-              <a:t>各種パラメータの設定は、　　　　　　　　　　</a:t>
-            </a:r>
-            <a:r>
-              <a:rPr lang="en-US" altLang="ja-JP" sz="2200" dirty="0" err="1"/>
-              <a:t>yaml</a:t>
-            </a:r>
-            <a:r>
-              <a:rPr lang="ja-JP" altLang="en-US" sz="2200" dirty="0"/>
-              <a:t>形式で書かれた学習設定　　　　　　ファイルを利用する。</a:t>
-            </a:r>
-            <a:endParaRPr lang="en-US" altLang="ja-JP" sz="2200" dirty="0"/>
-          </a:p>
           <a:p>
             <a:pPr marL="0" indent="0">
               <a:buNone/>
             </a:pPr>
             <a:r>
-              <a:rPr lang="en-US" altLang="ja-JP" sz="2200" dirty="0"/>
-              <a:t>	</a:t>
+              <a:rPr lang="ja-JP" altLang="en-US" dirty="0"/>
+              <a:t>　</a:t>
+            </a:r>
+          </a:p>
+        </p:txBody>
+      </p:sp>
+      <p:sp>
+        <p:nvSpPr>
+          <p:cNvPr id="13" name="テキスト ボックス 12">
+            <a:extLst>
+              <a:ext uri="{FF2B5EF4-FFF2-40B4-BE49-F238E27FC236}">
+                <a16:creationId xmlns:a16="http://schemas.microsoft.com/office/drawing/2014/main" id="{6CAC6150-6BCC-535C-99B9-EF3522449CE2}"/>
+              </a:ext>
+            </a:extLst>
+          </p:cNvPr>
+          <p:cNvSpPr txBox="1"/>
+          <p:nvPr/>
+        </p:nvSpPr>
+        <p:spPr>
+          <a:xfrm>
+            <a:off x="2103818" y="2622983"/>
+            <a:ext cx="2057400" cy="369332"/>
+          </a:xfrm>
+          <a:prstGeom prst="rect">
+            <a:avLst/>
+          </a:prstGeom>
+          <a:noFill/>
+        </p:spPr>
+        <p:txBody>
+          <a:bodyPr wrap="square" rtlCol="0">
+            <a:spAutoFit/>
+          </a:bodyPr>
+          <a:lstStyle/>
+          <a:p>
+            <a:r>
+              <a:rPr kumimoji="1" lang="ja-JP" altLang="en-US" dirty="0"/>
+              <a:t>実験ゲーム環境</a:t>
             </a:r>
           </a:p>
         </p:txBody>
       </p:sp>
       <p:pic>
         <p:nvPicPr>
-          <p:cNvPr id="11" name="図 10">
-            <a:extLst>
-              <a:ext uri="{FF2B5EF4-FFF2-40B4-BE49-F238E27FC236}">
-                <a16:creationId xmlns:a16="http://schemas.microsoft.com/office/drawing/2014/main" id="{1B4EE839-7B20-F337-F1F8-B0C88BDF3D52}"/>
+          <p:cNvPr id="14" name="図 13">
+            <a:extLst>
+              <a:ext uri="{FF2B5EF4-FFF2-40B4-BE49-F238E27FC236}">
+                <a16:creationId xmlns:a16="http://schemas.microsoft.com/office/drawing/2014/main" id="{9BA1A149-ED4A-BB7B-A086-13984657DE21}"/>
               </a:ext>
             </a:extLst>
           </p:cNvPr>
@@ -17170,18 +18130,994 @@
         </p:blipFill>
         <p:spPr>
           <a:xfrm>
-            <a:off x="6875462" y="1356997"/>
-            <a:ext cx="3952875" cy="4781550"/>
+            <a:off x="1628667" y="3440264"/>
+            <a:ext cx="1670652" cy="956265"/>
           </a:xfrm>
           <a:prstGeom prst="rect">
             <a:avLst/>
           </a:prstGeom>
         </p:spPr>
       </p:pic>
+      <p:pic>
+        <p:nvPicPr>
+          <p:cNvPr id="15" name="図 14">
+            <a:extLst>
+              <a:ext uri="{FF2B5EF4-FFF2-40B4-BE49-F238E27FC236}">
+                <a16:creationId xmlns:a16="http://schemas.microsoft.com/office/drawing/2014/main" id="{4418241C-0D9D-AF83-5606-9BB40EF88483}"/>
+              </a:ext>
+            </a:extLst>
+          </p:cNvPr>
+          <p:cNvPicPr>
+            <a:picLocks noChangeAspect="1"/>
+          </p:cNvPicPr>
+          <p:nvPr/>
+        </p:nvPicPr>
+        <p:blipFill>
+          <a:blip r:embed="rId3"/>
+          <a:stretch>
+            <a:fillRect/>
+          </a:stretch>
+        </p:blipFill>
+        <p:spPr>
+          <a:xfrm>
+            <a:off x="3471807" y="3506101"/>
+            <a:ext cx="824592" cy="824592"/>
+          </a:xfrm>
+          <a:prstGeom prst="rect">
+            <a:avLst/>
+          </a:prstGeom>
+        </p:spPr>
+      </p:pic>
+      <p:sp>
+        <p:nvSpPr>
+          <p:cNvPr id="16" name="矢印: 右 15">
+            <a:extLst>
+              <a:ext uri="{FF2B5EF4-FFF2-40B4-BE49-F238E27FC236}">
+                <a16:creationId xmlns:a16="http://schemas.microsoft.com/office/drawing/2014/main" id="{5B6857AD-33DF-0444-F278-D4C3DBA1399B}"/>
+              </a:ext>
+            </a:extLst>
+          </p:cNvPr>
+          <p:cNvSpPr/>
+          <p:nvPr/>
+        </p:nvSpPr>
+        <p:spPr>
+          <a:xfrm rot="19461355">
+            <a:off x="7004821" y="2981652"/>
+            <a:ext cx="453883" cy="408736"/>
+          </a:xfrm>
+          <a:prstGeom prst="rightArrow">
+            <a:avLst/>
+          </a:prstGeom>
+        </p:spPr>
+        <p:style>
+          <a:lnRef idx="2">
+            <a:schemeClr val="accent2">
+              <a:shade val="50000"/>
+            </a:schemeClr>
+          </a:lnRef>
+          <a:fillRef idx="1">
+            <a:schemeClr val="accent2"/>
+          </a:fillRef>
+          <a:effectRef idx="0">
+            <a:schemeClr val="accent2"/>
+          </a:effectRef>
+          <a:fontRef idx="minor">
+            <a:schemeClr val="lt1"/>
+          </a:fontRef>
+        </p:style>
+        <p:txBody>
+          <a:bodyPr rtlCol="0" anchor="ctr"/>
+          <a:lstStyle/>
+          <a:p>
+            <a:pPr algn="ctr"/>
+            <a:endParaRPr kumimoji="1" lang="ja-JP" altLang="en-US"/>
+          </a:p>
+        </p:txBody>
+      </p:sp>
+      <p:sp>
+        <p:nvSpPr>
+          <p:cNvPr id="17" name="矢印: 右 16">
+            <a:extLst>
+              <a:ext uri="{FF2B5EF4-FFF2-40B4-BE49-F238E27FC236}">
+                <a16:creationId xmlns:a16="http://schemas.microsoft.com/office/drawing/2014/main" id="{BEE44646-86E2-9888-0069-A197A68033FD}"/>
+              </a:ext>
+            </a:extLst>
+          </p:cNvPr>
+          <p:cNvSpPr/>
+          <p:nvPr/>
+        </p:nvSpPr>
+        <p:spPr>
+          <a:xfrm rot="8766813">
+            <a:off x="7077576" y="3404891"/>
+            <a:ext cx="500340" cy="408736"/>
+          </a:xfrm>
+          <a:prstGeom prst="rightArrow">
+            <a:avLst/>
+          </a:prstGeom>
+        </p:spPr>
+        <p:style>
+          <a:lnRef idx="2">
+            <a:schemeClr val="accent1">
+              <a:shade val="50000"/>
+            </a:schemeClr>
+          </a:lnRef>
+          <a:fillRef idx="1">
+            <a:schemeClr val="accent1"/>
+          </a:fillRef>
+          <a:effectRef idx="0">
+            <a:schemeClr val="accent1"/>
+          </a:effectRef>
+          <a:fontRef idx="minor">
+            <a:schemeClr val="lt1"/>
+          </a:fontRef>
+        </p:style>
+        <p:txBody>
+          <a:bodyPr rtlCol="0" anchor="ctr"/>
+          <a:lstStyle/>
+          <a:p>
+            <a:pPr algn="ctr"/>
+            <a:endParaRPr kumimoji="1" lang="ja-JP" altLang="en-US" dirty="0"/>
+          </a:p>
+        </p:txBody>
+      </p:sp>
+      <p:pic>
+        <p:nvPicPr>
+          <p:cNvPr id="18" name="図 17">
+            <a:extLst>
+              <a:ext uri="{FF2B5EF4-FFF2-40B4-BE49-F238E27FC236}">
+                <a16:creationId xmlns:a16="http://schemas.microsoft.com/office/drawing/2014/main" id="{9492413C-6825-A101-50B2-3EE21B78B7F1}"/>
+              </a:ext>
+            </a:extLst>
+          </p:cNvPr>
+          <p:cNvPicPr>
+            <a:picLocks noChangeAspect="1"/>
+          </p:cNvPicPr>
+          <p:nvPr/>
+        </p:nvPicPr>
+        <p:blipFill>
+          <a:blip r:embed="rId4"/>
+          <a:stretch>
+            <a:fillRect/>
+          </a:stretch>
+        </p:blipFill>
+        <p:spPr>
+          <a:xfrm>
+            <a:off x="5422780" y="3476133"/>
+            <a:ext cx="1592036" cy="891541"/>
+          </a:xfrm>
+          <a:prstGeom prst="rect">
+            <a:avLst/>
+          </a:prstGeom>
+        </p:spPr>
+      </p:pic>
+      <p:sp>
+        <p:nvSpPr>
+          <p:cNvPr id="19" name="四角形: 角を丸くする 18">
+            <a:extLst>
+              <a:ext uri="{FF2B5EF4-FFF2-40B4-BE49-F238E27FC236}">
+                <a16:creationId xmlns:a16="http://schemas.microsoft.com/office/drawing/2014/main" id="{2E207375-F881-8DC7-BD75-61E52E041AF0}"/>
+              </a:ext>
+            </a:extLst>
+          </p:cNvPr>
+          <p:cNvSpPr/>
+          <p:nvPr/>
+        </p:nvSpPr>
+        <p:spPr>
+          <a:xfrm>
+            <a:off x="7755177" y="2344154"/>
+            <a:ext cx="2644922" cy="1163753"/>
+          </a:xfrm>
+          <a:prstGeom prst="roundRect">
+            <a:avLst/>
+          </a:prstGeom>
+        </p:spPr>
+        <p:style>
+          <a:lnRef idx="2">
+            <a:schemeClr val="accent1">
+              <a:shade val="50000"/>
+            </a:schemeClr>
+          </a:lnRef>
+          <a:fillRef idx="1">
+            <a:schemeClr val="accent1"/>
+          </a:fillRef>
+          <a:effectRef idx="0">
+            <a:schemeClr val="accent1"/>
+          </a:effectRef>
+          <a:fontRef idx="minor">
+            <a:schemeClr val="lt1"/>
+          </a:fontRef>
+        </p:style>
+        <p:txBody>
+          <a:bodyPr rtlCol="0" anchor="ctr"/>
+          <a:lstStyle/>
+          <a:p>
+            <a:pPr algn="ctr"/>
+            <a:endParaRPr kumimoji="1" lang="ja-JP" altLang="en-US" dirty="0"/>
+          </a:p>
+        </p:txBody>
+      </p:sp>
+      <p:sp>
+        <p:nvSpPr>
+          <p:cNvPr id="22" name="テキスト ボックス 21">
+            <a:extLst>
+              <a:ext uri="{FF2B5EF4-FFF2-40B4-BE49-F238E27FC236}">
+                <a16:creationId xmlns:a16="http://schemas.microsoft.com/office/drawing/2014/main" id="{48B72942-396F-7DF7-B835-97255F4B1AF3}"/>
+              </a:ext>
+            </a:extLst>
+          </p:cNvPr>
+          <p:cNvSpPr txBox="1"/>
+          <p:nvPr/>
+        </p:nvSpPr>
+        <p:spPr>
+          <a:xfrm>
+            <a:off x="8069413" y="2015805"/>
+            <a:ext cx="2057400" cy="369332"/>
+          </a:xfrm>
+          <a:prstGeom prst="rect">
+            <a:avLst/>
+          </a:prstGeom>
+          <a:noFill/>
+        </p:spPr>
+        <p:txBody>
+          <a:bodyPr wrap="square" rtlCol="0">
+            <a:spAutoFit/>
+          </a:bodyPr>
+          <a:lstStyle/>
+          <a:p>
+            <a:r>
+              <a:rPr kumimoji="1" lang="ja-JP" altLang="en-US" dirty="0"/>
+              <a:t>強化学習エンジン</a:t>
+            </a:r>
+          </a:p>
+        </p:txBody>
+      </p:sp>
+      <p:pic>
+        <p:nvPicPr>
+          <p:cNvPr id="23" name="図 22">
+            <a:extLst>
+              <a:ext uri="{FF2B5EF4-FFF2-40B4-BE49-F238E27FC236}">
+                <a16:creationId xmlns:a16="http://schemas.microsoft.com/office/drawing/2014/main" id="{2B748DC2-294B-1B93-1191-529548095257}"/>
+              </a:ext>
+            </a:extLst>
+          </p:cNvPr>
+          <p:cNvPicPr>
+            <a:picLocks noChangeAspect="1"/>
+          </p:cNvPicPr>
+          <p:nvPr/>
+        </p:nvPicPr>
+        <p:blipFill>
+          <a:blip r:embed="rId5"/>
+          <a:stretch>
+            <a:fillRect/>
+          </a:stretch>
+        </p:blipFill>
+        <p:spPr>
+          <a:xfrm>
+            <a:off x="8387750" y="2571564"/>
+            <a:ext cx="1420726" cy="708934"/>
+          </a:xfrm>
+          <a:prstGeom prst="rect">
+            <a:avLst/>
+          </a:prstGeom>
+        </p:spPr>
+      </p:pic>
+      <p:sp>
+        <p:nvSpPr>
+          <p:cNvPr id="27" name="四角形: 角を丸くする 26">
+            <a:extLst>
+              <a:ext uri="{FF2B5EF4-FFF2-40B4-BE49-F238E27FC236}">
+                <a16:creationId xmlns:a16="http://schemas.microsoft.com/office/drawing/2014/main" id="{5A33195B-9D7E-493E-4D86-ECD7D7A100E5}"/>
+              </a:ext>
+            </a:extLst>
+          </p:cNvPr>
+          <p:cNvSpPr/>
+          <p:nvPr/>
+        </p:nvSpPr>
+        <p:spPr>
+          <a:xfrm>
+            <a:off x="4896336" y="5280150"/>
+            <a:ext cx="2644923" cy="1038165"/>
+          </a:xfrm>
+          <a:prstGeom prst="roundRect">
+            <a:avLst/>
+          </a:prstGeom>
+        </p:spPr>
+        <p:style>
+          <a:lnRef idx="2">
+            <a:schemeClr val="accent4">
+              <a:shade val="50000"/>
+            </a:schemeClr>
+          </a:lnRef>
+          <a:fillRef idx="1">
+            <a:schemeClr val="accent4"/>
+          </a:fillRef>
+          <a:effectRef idx="0">
+            <a:schemeClr val="accent4"/>
+          </a:effectRef>
+          <a:fontRef idx="minor">
+            <a:schemeClr val="lt1"/>
+          </a:fontRef>
+        </p:style>
+        <p:txBody>
+          <a:bodyPr rtlCol="0" anchor="ctr"/>
+          <a:lstStyle/>
+          <a:p>
+            <a:pPr algn="ctr"/>
+            <a:endParaRPr kumimoji="1" lang="ja-JP" altLang="en-US" dirty="0"/>
+          </a:p>
+        </p:txBody>
+      </p:sp>
+      <p:pic>
+        <p:nvPicPr>
+          <p:cNvPr id="26" name="図 25">
+            <a:extLst>
+              <a:ext uri="{FF2B5EF4-FFF2-40B4-BE49-F238E27FC236}">
+                <a16:creationId xmlns:a16="http://schemas.microsoft.com/office/drawing/2014/main" id="{F7DBCE3A-2A82-92EE-DCBD-46C370318676}"/>
+              </a:ext>
+            </a:extLst>
+          </p:cNvPr>
+          <p:cNvPicPr>
+            <a:picLocks noChangeAspect="1"/>
+          </p:cNvPicPr>
+          <p:nvPr/>
+        </p:nvPicPr>
+        <p:blipFill>
+          <a:blip r:embed="rId6"/>
+          <a:stretch>
+            <a:fillRect/>
+          </a:stretch>
+        </p:blipFill>
+        <p:spPr>
+          <a:xfrm>
+            <a:off x="5642815" y="5463797"/>
+            <a:ext cx="1197979" cy="670869"/>
+          </a:xfrm>
+          <a:prstGeom prst="rect">
+            <a:avLst/>
+          </a:prstGeom>
+        </p:spPr>
+      </p:pic>
+      <p:sp>
+        <p:nvSpPr>
+          <p:cNvPr id="28" name="テキスト ボックス 27">
+            <a:extLst>
+              <a:ext uri="{FF2B5EF4-FFF2-40B4-BE49-F238E27FC236}">
+                <a16:creationId xmlns:a16="http://schemas.microsoft.com/office/drawing/2014/main" id="{D323444E-1B1D-C2A5-0FD1-BB1093A53BD7}"/>
+              </a:ext>
+            </a:extLst>
+          </p:cNvPr>
+          <p:cNvSpPr txBox="1"/>
+          <p:nvPr/>
+        </p:nvSpPr>
+        <p:spPr>
+          <a:xfrm>
+            <a:off x="5476727" y="6352143"/>
+            <a:ext cx="1592036" cy="369332"/>
+          </a:xfrm>
+          <a:prstGeom prst="rect">
+            <a:avLst/>
+          </a:prstGeom>
+          <a:noFill/>
+        </p:spPr>
+        <p:txBody>
+          <a:bodyPr wrap="square" rtlCol="0">
+            <a:spAutoFit/>
+          </a:bodyPr>
+          <a:lstStyle/>
+          <a:p>
+            <a:r>
+              <a:rPr kumimoji="1" lang="ja-JP" altLang="en-US" dirty="0"/>
+              <a:t>統計情報表示</a:t>
+            </a:r>
+          </a:p>
+        </p:txBody>
+      </p:sp>
+      <p:sp>
+        <p:nvSpPr>
+          <p:cNvPr id="29" name="矢印: 右 28">
+            <a:extLst>
+              <a:ext uri="{FF2B5EF4-FFF2-40B4-BE49-F238E27FC236}">
+                <a16:creationId xmlns:a16="http://schemas.microsoft.com/office/drawing/2014/main" id="{CAC16A39-4F83-C94D-57C1-845767A90B88}"/>
+              </a:ext>
+            </a:extLst>
+          </p:cNvPr>
+          <p:cNvSpPr/>
+          <p:nvPr/>
+        </p:nvSpPr>
+        <p:spPr>
+          <a:xfrm rot="10800000">
+            <a:off x="4741452" y="3982500"/>
+            <a:ext cx="453883" cy="369332"/>
+          </a:xfrm>
+          <a:prstGeom prst="rightArrow">
+            <a:avLst/>
+          </a:prstGeom>
+        </p:spPr>
+        <p:style>
+          <a:lnRef idx="2">
+            <a:schemeClr val="accent1">
+              <a:shade val="50000"/>
+            </a:schemeClr>
+          </a:lnRef>
+          <a:fillRef idx="1">
+            <a:schemeClr val="accent1"/>
+          </a:fillRef>
+          <a:effectRef idx="0">
+            <a:schemeClr val="accent1"/>
+          </a:effectRef>
+          <a:fontRef idx="minor">
+            <a:schemeClr val="lt1"/>
+          </a:fontRef>
+        </p:style>
+        <p:txBody>
+          <a:bodyPr rtlCol="0" anchor="ctr"/>
+          <a:lstStyle/>
+          <a:p>
+            <a:pPr algn="ctr"/>
+            <a:endParaRPr kumimoji="1" lang="ja-JP" altLang="en-US"/>
+          </a:p>
+        </p:txBody>
+      </p:sp>
+      <p:sp>
+        <p:nvSpPr>
+          <p:cNvPr id="31" name="矢印: 右 30">
+            <a:extLst>
+              <a:ext uri="{FF2B5EF4-FFF2-40B4-BE49-F238E27FC236}">
+                <a16:creationId xmlns:a16="http://schemas.microsoft.com/office/drawing/2014/main" id="{2D45F6FC-B086-077A-A559-30340E720BA7}"/>
+              </a:ext>
+            </a:extLst>
+          </p:cNvPr>
+          <p:cNvSpPr/>
+          <p:nvPr/>
+        </p:nvSpPr>
+        <p:spPr>
+          <a:xfrm>
+            <a:off x="4807639" y="3476133"/>
+            <a:ext cx="453883" cy="408736"/>
+          </a:xfrm>
+          <a:prstGeom prst="rightArrow">
+            <a:avLst/>
+          </a:prstGeom>
+        </p:spPr>
+        <p:style>
+          <a:lnRef idx="2">
+            <a:schemeClr val="accent2">
+              <a:shade val="50000"/>
+            </a:schemeClr>
+          </a:lnRef>
+          <a:fillRef idx="1">
+            <a:schemeClr val="accent2"/>
+          </a:fillRef>
+          <a:effectRef idx="0">
+            <a:schemeClr val="accent2"/>
+          </a:effectRef>
+          <a:fontRef idx="minor">
+            <a:schemeClr val="lt1"/>
+          </a:fontRef>
+        </p:style>
+        <p:txBody>
+          <a:bodyPr rtlCol="0" anchor="ctr"/>
+          <a:lstStyle/>
+          <a:p>
+            <a:pPr algn="ctr"/>
+            <a:endParaRPr kumimoji="1" lang="ja-JP" altLang="en-US"/>
+          </a:p>
+        </p:txBody>
+      </p:sp>
+      <p:sp>
+        <p:nvSpPr>
+          <p:cNvPr id="34" name="矢印: 右 33">
+            <a:extLst>
+              <a:ext uri="{FF2B5EF4-FFF2-40B4-BE49-F238E27FC236}">
+                <a16:creationId xmlns:a16="http://schemas.microsoft.com/office/drawing/2014/main" id="{DE6176B7-F626-B0D7-B1D8-0CDD26C6813C}"/>
+              </a:ext>
+            </a:extLst>
+          </p:cNvPr>
+          <p:cNvSpPr/>
+          <p:nvPr/>
+        </p:nvSpPr>
+        <p:spPr>
+          <a:xfrm rot="10800000">
+            <a:off x="7773590" y="5522722"/>
+            <a:ext cx="803678" cy="408736"/>
+          </a:xfrm>
+          <a:prstGeom prst="rightArrow">
+            <a:avLst/>
+          </a:prstGeom>
+        </p:spPr>
+        <p:style>
+          <a:lnRef idx="2">
+            <a:schemeClr val="accent4">
+              <a:shade val="50000"/>
+            </a:schemeClr>
+          </a:lnRef>
+          <a:fillRef idx="1">
+            <a:schemeClr val="accent4"/>
+          </a:fillRef>
+          <a:effectRef idx="0">
+            <a:schemeClr val="accent4"/>
+          </a:effectRef>
+          <a:fontRef idx="minor">
+            <a:schemeClr val="lt1"/>
+          </a:fontRef>
+        </p:style>
+        <p:txBody>
+          <a:bodyPr rtlCol="0" anchor="ctr"/>
+          <a:lstStyle/>
+          <a:p>
+            <a:pPr algn="ctr"/>
+            <a:endParaRPr kumimoji="1" lang="ja-JP" altLang="en-US" dirty="0"/>
+          </a:p>
+        </p:txBody>
+      </p:sp>
+      <p:sp>
+        <p:nvSpPr>
+          <p:cNvPr id="58" name="吹き出し: 角を丸めた四角形 57">
+            <a:extLst>
+              <a:ext uri="{FF2B5EF4-FFF2-40B4-BE49-F238E27FC236}">
+                <a16:creationId xmlns:a16="http://schemas.microsoft.com/office/drawing/2014/main" id="{075FB61D-F903-3DD2-AC68-F3210E7E4178}"/>
+              </a:ext>
+            </a:extLst>
+          </p:cNvPr>
+          <p:cNvSpPr/>
+          <p:nvPr/>
+        </p:nvSpPr>
+        <p:spPr>
+          <a:xfrm rot="10800000">
+            <a:off x="8145345" y="3835125"/>
+            <a:ext cx="1964245" cy="1081939"/>
+          </a:xfrm>
+          <a:prstGeom prst="wedgeRoundRectCallout">
+            <a:avLst>
+              <a:gd name="adj1" fmla="val 81416"/>
+              <a:gd name="adj2" fmla="val 53007"/>
+              <a:gd name="adj3" fmla="val 16667"/>
+            </a:avLst>
+          </a:prstGeom>
+        </p:spPr>
+        <p:style>
+          <a:lnRef idx="2">
+            <a:schemeClr val="accent1"/>
+          </a:lnRef>
+          <a:fillRef idx="1">
+            <a:schemeClr val="lt1"/>
+          </a:fillRef>
+          <a:effectRef idx="0">
+            <a:schemeClr val="accent1"/>
+          </a:effectRef>
+          <a:fontRef idx="minor">
+            <a:schemeClr val="dk1"/>
+          </a:fontRef>
+        </p:style>
+        <p:txBody>
+          <a:bodyPr rtlCol="0" anchor="ctr"/>
+          <a:lstStyle/>
+          <a:p>
+            <a:pPr algn="ctr"/>
+            <a:endParaRPr kumimoji="1" lang="ja-JP" altLang="en-US"/>
+          </a:p>
+        </p:txBody>
+      </p:sp>
+      <p:sp>
+        <p:nvSpPr>
+          <p:cNvPr id="36" name="テキスト ボックス 35">
+            <a:extLst>
+              <a:ext uri="{FF2B5EF4-FFF2-40B4-BE49-F238E27FC236}">
+                <a16:creationId xmlns:a16="http://schemas.microsoft.com/office/drawing/2014/main" id="{E2561C45-39F0-6785-FEBA-DF44472E4A46}"/>
+              </a:ext>
+            </a:extLst>
+          </p:cNvPr>
+          <p:cNvSpPr txBox="1"/>
+          <p:nvPr/>
+        </p:nvSpPr>
+        <p:spPr>
+          <a:xfrm>
+            <a:off x="4453330" y="2279195"/>
+            <a:ext cx="1788476" cy="923330"/>
+          </a:xfrm>
+          <a:prstGeom prst="rect">
+            <a:avLst/>
+          </a:prstGeom>
+          <a:noFill/>
+        </p:spPr>
+        <p:txBody>
+          <a:bodyPr wrap="square" rtlCol="0">
+            <a:spAutoFit/>
+          </a:bodyPr>
+          <a:lstStyle/>
+          <a:p>
+            <a:pPr algn="ctr"/>
+            <a:r>
+              <a:rPr kumimoji="1" lang="ja-JP" altLang="en-US" dirty="0"/>
+              <a:t>環境・報酬などゲーム情報を　入力</a:t>
+            </a:r>
+          </a:p>
+        </p:txBody>
+      </p:sp>
+      <p:sp>
+        <p:nvSpPr>
+          <p:cNvPr id="40" name="テキスト ボックス 39">
+            <a:extLst>
+              <a:ext uri="{FF2B5EF4-FFF2-40B4-BE49-F238E27FC236}">
+                <a16:creationId xmlns:a16="http://schemas.microsoft.com/office/drawing/2014/main" id="{6DEFEA9E-0062-1BE9-1D7D-7C2665AF42D9}"/>
+              </a:ext>
+            </a:extLst>
+          </p:cNvPr>
+          <p:cNvSpPr txBox="1"/>
+          <p:nvPr/>
+        </p:nvSpPr>
+        <p:spPr>
+          <a:xfrm>
+            <a:off x="8238133" y="3945070"/>
+            <a:ext cx="1788476" cy="923330"/>
+          </a:xfrm>
+          <a:prstGeom prst="rect">
+            <a:avLst/>
+          </a:prstGeom>
+          <a:noFill/>
+        </p:spPr>
+        <p:txBody>
+          <a:bodyPr wrap="square" rtlCol="0">
+            <a:spAutoFit/>
+          </a:bodyPr>
+          <a:lstStyle/>
+          <a:p>
+            <a:pPr algn="ctr"/>
+            <a:r>
+              <a:rPr kumimoji="1" lang="ja-JP" altLang="en-US" dirty="0"/>
+              <a:t>入力された情報を元に　　　　行動を出力</a:t>
+            </a:r>
+          </a:p>
+        </p:txBody>
+      </p:sp>
+      <p:sp>
+        <p:nvSpPr>
+          <p:cNvPr id="43" name="四角形: 角を丸くする 42">
+            <a:extLst>
+              <a:ext uri="{FF2B5EF4-FFF2-40B4-BE49-F238E27FC236}">
+                <a16:creationId xmlns:a16="http://schemas.microsoft.com/office/drawing/2014/main" id="{26EFF626-D650-2155-2AC0-155823553E23}"/>
+              </a:ext>
+            </a:extLst>
+          </p:cNvPr>
+          <p:cNvSpPr/>
+          <p:nvPr/>
+        </p:nvSpPr>
+        <p:spPr>
+          <a:xfrm>
+            <a:off x="4185859" y="4465305"/>
+            <a:ext cx="1542753" cy="451291"/>
+          </a:xfrm>
+          <a:prstGeom prst="roundRect">
+            <a:avLst/>
+          </a:prstGeom>
+        </p:spPr>
+        <p:style>
+          <a:lnRef idx="2">
+            <a:schemeClr val="accent1"/>
+          </a:lnRef>
+          <a:fillRef idx="1">
+            <a:schemeClr val="lt1"/>
+          </a:fillRef>
+          <a:effectRef idx="0">
+            <a:schemeClr val="accent1"/>
+          </a:effectRef>
+          <a:fontRef idx="minor">
+            <a:schemeClr val="dk1"/>
+          </a:fontRef>
+        </p:style>
+        <p:txBody>
+          <a:bodyPr rtlCol="0" anchor="ctr"/>
+          <a:lstStyle/>
+          <a:p>
+            <a:pPr algn="ctr"/>
+            <a:endParaRPr kumimoji="1" lang="ja-JP" altLang="en-US"/>
+          </a:p>
+        </p:txBody>
+      </p:sp>
+      <p:sp>
+        <p:nvSpPr>
+          <p:cNvPr id="42" name="テキスト ボックス 41">
+            <a:extLst>
+              <a:ext uri="{FF2B5EF4-FFF2-40B4-BE49-F238E27FC236}">
+                <a16:creationId xmlns:a16="http://schemas.microsoft.com/office/drawing/2014/main" id="{1058194D-43F5-8469-ACFC-E751B17BCAD4}"/>
+              </a:ext>
+            </a:extLst>
+          </p:cNvPr>
+          <p:cNvSpPr txBox="1"/>
+          <p:nvPr/>
+        </p:nvSpPr>
+        <p:spPr>
+          <a:xfrm>
+            <a:off x="4305347" y="4502286"/>
+            <a:ext cx="1357839" cy="400110"/>
+          </a:xfrm>
+          <a:prstGeom prst="rect">
+            <a:avLst/>
+          </a:prstGeom>
+          <a:noFill/>
+        </p:spPr>
+        <p:txBody>
+          <a:bodyPr wrap="square" rtlCol="0">
+            <a:spAutoFit/>
+          </a:bodyPr>
+          <a:lstStyle/>
+          <a:p>
+            <a:r>
+              <a:rPr kumimoji="1" lang="ja-JP" altLang="en-US" sz="1000" dirty="0"/>
+              <a:t>強化学習機能の提供</a:t>
+            </a:r>
+            <a:endParaRPr kumimoji="1" lang="en-US" altLang="ja-JP" sz="1000" dirty="0"/>
+          </a:p>
+          <a:p>
+            <a:pPr algn="ctr"/>
+            <a:r>
+              <a:rPr kumimoji="1" lang="ja-JP" altLang="en-US" sz="1000" dirty="0"/>
+              <a:t>行動の環境への反映</a:t>
+            </a:r>
+          </a:p>
+        </p:txBody>
+      </p:sp>
+      <p:sp>
+        <p:nvSpPr>
+          <p:cNvPr id="44" name="四角形: 角を丸くする 43">
+            <a:extLst>
+              <a:ext uri="{FF2B5EF4-FFF2-40B4-BE49-F238E27FC236}">
+                <a16:creationId xmlns:a16="http://schemas.microsoft.com/office/drawing/2014/main" id="{C160AE91-B60A-E305-EF20-D04856509986}"/>
+              </a:ext>
+            </a:extLst>
+          </p:cNvPr>
+          <p:cNvSpPr/>
+          <p:nvPr/>
+        </p:nvSpPr>
+        <p:spPr>
+          <a:xfrm>
+            <a:off x="7399299" y="5086610"/>
+            <a:ext cx="1506296" cy="400110"/>
+          </a:xfrm>
+          <a:prstGeom prst="roundRect">
+            <a:avLst/>
+          </a:prstGeom>
+        </p:spPr>
+        <p:style>
+          <a:lnRef idx="2">
+            <a:schemeClr val="accent4"/>
+          </a:lnRef>
+          <a:fillRef idx="1">
+            <a:schemeClr val="lt1"/>
+          </a:fillRef>
+          <a:effectRef idx="0">
+            <a:schemeClr val="accent4"/>
+          </a:effectRef>
+          <a:fontRef idx="minor">
+            <a:schemeClr val="dk1"/>
+          </a:fontRef>
+        </p:style>
+        <p:txBody>
+          <a:bodyPr rtlCol="0" anchor="ctr"/>
+          <a:lstStyle/>
+          <a:p>
+            <a:pPr algn="ctr"/>
+            <a:endParaRPr kumimoji="1" lang="ja-JP" altLang="en-US"/>
+          </a:p>
+        </p:txBody>
+      </p:sp>
+      <p:sp>
+        <p:nvSpPr>
+          <p:cNvPr id="48" name="フローチャート: 磁気ディスク 47">
+            <a:extLst>
+              <a:ext uri="{FF2B5EF4-FFF2-40B4-BE49-F238E27FC236}">
+                <a16:creationId xmlns:a16="http://schemas.microsoft.com/office/drawing/2014/main" id="{8E9706FF-FD43-1052-2F08-0307C9C48AE7}"/>
+              </a:ext>
+            </a:extLst>
+          </p:cNvPr>
+          <p:cNvSpPr/>
+          <p:nvPr/>
+        </p:nvSpPr>
+        <p:spPr>
+          <a:xfrm>
+            <a:off x="8899543" y="5365489"/>
+            <a:ext cx="742950" cy="388484"/>
+          </a:xfrm>
+          <a:prstGeom prst="flowChartMagneticDisk">
+            <a:avLst/>
+          </a:prstGeom>
+        </p:spPr>
+        <p:style>
+          <a:lnRef idx="2">
+            <a:schemeClr val="dk1">
+              <a:shade val="50000"/>
+            </a:schemeClr>
+          </a:lnRef>
+          <a:fillRef idx="1">
+            <a:schemeClr val="dk1"/>
+          </a:fillRef>
+          <a:effectRef idx="0">
+            <a:schemeClr val="dk1"/>
+          </a:effectRef>
+          <a:fontRef idx="minor">
+            <a:schemeClr val="lt1"/>
+          </a:fontRef>
+        </p:style>
+        <p:txBody>
+          <a:bodyPr rtlCol="0" anchor="ctr"/>
+          <a:lstStyle/>
+          <a:p>
+            <a:pPr algn="ctr"/>
+            <a:endParaRPr kumimoji="1" lang="ja-JP" altLang="en-US" dirty="0"/>
+          </a:p>
+        </p:txBody>
+      </p:sp>
+      <p:sp>
+        <p:nvSpPr>
+          <p:cNvPr id="46" name="フローチャート: 磁気ディスク 45">
+            <a:extLst>
+              <a:ext uri="{FF2B5EF4-FFF2-40B4-BE49-F238E27FC236}">
+                <a16:creationId xmlns:a16="http://schemas.microsoft.com/office/drawing/2014/main" id="{F0C751C1-986C-5936-BCED-51E3C4FA434A}"/>
+              </a:ext>
+            </a:extLst>
+          </p:cNvPr>
+          <p:cNvSpPr/>
+          <p:nvPr/>
+        </p:nvSpPr>
+        <p:spPr>
+          <a:xfrm>
+            <a:off x="8899543" y="5195619"/>
+            <a:ext cx="742950" cy="335594"/>
+          </a:xfrm>
+          <a:prstGeom prst="flowChartMagneticDisk">
+            <a:avLst/>
+          </a:prstGeom>
+        </p:spPr>
+        <p:style>
+          <a:lnRef idx="2">
+            <a:schemeClr val="dk1">
+              <a:shade val="50000"/>
+            </a:schemeClr>
+          </a:lnRef>
+          <a:fillRef idx="1">
+            <a:schemeClr val="dk1"/>
+          </a:fillRef>
+          <a:effectRef idx="0">
+            <a:schemeClr val="dk1"/>
+          </a:effectRef>
+          <a:fontRef idx="minor">
+            <a:schemeClr val="lt1"/>
+          </a:fontRef>
+        </p:style>
+        <p:txBody>
+          <a:bodyPr rtlCol="0" anchor="ctr"/>
+          <a:lstStyle/>
+          <a:p>
+            <a:pPr algn="ctr"/>
+            <a:endParaRPr kumimoji="1" lang="ja-JP" altLang="en-US" dirty="0"/>
+          </a:p>
+        </p:txBody>
+      </p:sp>
+      <p:sp>
+        <p:nvSpPr>
+          <p:cNvPr id="51" name="矢印: 左カーブ 50">
+            <a:extLst>
+              <a:ext uri="{FF2B5EF4-FFF2-40B4-BE49-F238E27FC236}">
+                <a16:creationId xmlns:a16="http://schemas.microsoft.com/office/drawing/2014/main" id="{37283EE7-3467-DC72-1093-AA30A8DFD05E}"/>
+              </a:ext>
+            </a:extLst>
+          </p:cNvPr>
+          <p:cNvSpPr/>
+          <p:nvPr/>
+        </p:nvSpPr>
+        <p:spPr>
+          <a:xfrm>
+            <a:off x="10599382" y="3506100"/>
+            <a:ext cx="781846" cy="2274213"/>
+          </a:xfrm>
+          <a:prstGeom prst="curvedLeftArrow">
+            <a:avLst/>
+          </a:prstGeom>
+        </p:spPr>
+        <p:style>
+          <a:lnRef idx="2">
+            <a:schemeClr val="dk1">
+              <a:shade val="50000"/>
+            </a:schemeClr>
+          </a:lnRef>
+          <a:fillRef idx="1">
+            <a:schemeClr val="dk1"/>
+          </a:fillRef>
+          <a:effectRef idx="0">
+            <a:schemeClr val="dk1"/>
+          </a:effectRef>
+          <a:fontRef idx="minor">
+            <a:schemeClr val="lt1"/>
+          </a:fontRef>
+        </p:style>
+        <p:txBody>
+          <a:bodyPr rtlCol="0" anchor="ctr"/>
+          <a:lstStyle/>
+          <a:p>
+            <a:pPr algn="ctr"/>
+            <a:endParaRPr kumimoji="1" lang="ja-JP" altLang="en-US">
+              <a:solidFill>
+                <a:schemeClr val="tx1"/>
+              </a:solidFill>
+            </a:endParaRPr>
+          </a:p>
+        </p:txBody>
+      </p:sp>
+      <p:sp>
+        <p:nvSpPr>
+          <p:cNvPr id="52" name="テキスト ボックス 51">
+            <a:extLst>
+              <a:ext uri="{FF2B5EF4-FFF2-40B4-BE49-F238E27FC236}">
+                <a16:creationId xmlns:a16="http://schemas.microsoft.com/office/drawing/2014/main" id="{7AC4EBB5-1CF5-5543-0F52-330A21536FBE}"/>
+              </a:ext>
+            </a:extLst>
+          </p:cNvPr>
+          <p:cNvSpPr txBox="1"/>
+          <p:nvPr/>
+        </p:nvSpPr>
+        <p:spPr>
+          <a:xfrm>
+            <a:off x="8801430" y="6083305"/>
+            <a:ext cx="2773653" cy="369332"/>
+          </a:xfrm>
+          <a:prstGeom prst="rect">
+            <a:avLst/>
+          </a:prstGeom>
+          <a:noFill/>
+        </p:spPr>
+        <p:txBody>
+          <a:bodyPr wrap="square" rtlCol="0">
+            <a:spAutoFit/>
+          </a:bodyPr>
+          <a:lstStyle/>
+          <a:p>
+            <a:r>
+              <a:rPr kumimoji="1" lang="ja-JP" altLang="en-US" dirty="0"/>
+              <a:t>モデルや学習ログの生成</a:t>
+            </a:r>
+          </a:p>
+        </p:txBody>
+      </p:sp>
+      <p:sp>
+        <p:nvSpPr>
+          <p:cNvPr id="45" name="テキスト ボックス 44">
+            <a:extLst>
+              <a:ext uri="{FF2B5EF4-FFF2-40B4-BE49-F238E27FC236}">
+                <a16:creationId xmlns:a16="http://schemas.microsoft.com/office/drawing/2014/main" id="{78BC2BF7-4217-3FF7-BBC2-9B8FB6B8BD7A}"/>
+              </a:ext>
+            </a:extLst>
+          </p:cNvPr>
+          <p:cNvSpPr txBox="1"/>
+          <p:nvPr/>
+        </p:nvSpPr>
+        <p:spPr>
+          <a:xfrm>
+            <a:off x="7428999" y="5104611"/>
+            <a:ext cx="1492860" cy="400110"/>
+          </a:xfrm>
+          <a:prstGeom prst="rect">
+            <a:avLst/>
+          </a:prstGeom>
+          <a:noFill/>
+        </p:spPr>
+        <p:txBody>
+          <a:bodyPr wrap="square" rtlCol="0">
+            <a:spAutoFit/>
+          </a:bodyPr>
+          <a:lstStyle/>
+          <a:p>
+            <a:pPr algn="ctr"/>
+            <a:r>
+              <a:rPr kumimoji="1" lang="ja-JP" altLang="en-US" sz="1000" dirty="0"/>
+              <a:t>報酬や経過時間など　　統計情報を入力</a:t>
+            </a:r>
+          </a:p>
+        </p:txBody>
+      </p:sp>
     </p:spTree>
     <p:extLst>
       <p:ext uri="{BB962C8B-B14F-4D97-AF65-F5344CB8AC3E}">
-        <p14:creationId xmlns:p14="http://schemas.microsoft.com/office/powerpoint/2010/main" val="3899259265"/>
+        <p14:creationId xmlns:p14="http://schemas.microsoft.com/office/powerpoint/2010/main" val="3495154873"/>
       </p:ext>
     </p:extLst>
   </p:cSld>
@@ -17213,7 +19149,7 @@
           <p:cNvPr id="2" name="フッター プレースホルダー 1">
             <a:extLst>
               <a:ext uri="{FF2B5EF4-FFF2-40B4-BE49-F238E27FC236}">
-                <a16:creationId xmlns:a16="http://schemas.microsoft.com/office/drawing/2014/main" id="{DA0EEA9F-4A91-AC27-379D-291FE82EA501}"/>
+                <a16:creationId xmlns:a16="http://schemas.microsoft.com/office/drawing/2014/main" id="{52DC6D39-B76D-8713-1ECE-F482B6454209}"/>
               </a:ext>
             </a:extLst>
           </p:cNvPr>
@@ -17230,9 +19166,10 @@
           <a:lstStyle/>
           <a:p>
             <a:r>
-              <a:rPr lang="ja-JP" altLang="en-US" dirty="0"/>
+              <a:rPr lang="ja-JP" altLang="en-US"/>
               <a:t>フッターを追加</a:t>
             </a:r>
+            <a:endParaRPr lang="ja-JP" altLang="en-US" dirty="0"/>
           </a:p>
         </p:txBody>
       </p:sp>
@@ -17241,7 +19178,7 @@
           <p:cNvPr id="3" name="スライド番号プレースホルダー 2">
             <a:extLst>
               <a:ext uri="{FF2B5EF4-FFF2-40B4-BE49-F238E27FC236}">
-                <a16:creationId xmlns:a16="http://schemas.microsoft.com/office/drawing/2014/main" id="{4AED8139-A5B5-7D17-2822-0A3AF2A7B9B7}"/>
+                <a16:creationId xmlns:a16="http://schemas.microsoft.com/office/drawing/2014/main" id="{552D4CC2-93D5-EDDE-A41B-B395DC759ADC}"/>
               </a:ext>
             </a:extLst>
           </p:cNvPr>
@@ -17271,7 +19208,7 @@
           <p:cNvPr id="4" name="タイトル 3">
             <a:extLst>
               <a:ext uri="{FF2B5EF4-FFF2-40B4-BE49-F238E27FC236}">
-                <a16:creationId xmlns:a16="http://schemas.microsoft.com/office/drawing/2014/main" id="{59F473B7-ED00-346F-956F-CFAB45E9CDA3}"/>
+                <a16:creationId xmlns:a16="http://schemas.microsoft.com/office/drawing/2014/main" id="{8CE3001A-2FC5-A79B-8DBD-DED6B428A4C5}"/>
               </a:ext>
             </a:extLst>
           </p:cNvPr>
@@ -17289,21 +19226,22 @@
           <a:p>
             <a:r>
               <a:rPr lang="en-US" altLang="ja-JP" dirty="0"/>
-              <a:t>2.3 </a:t>
+              <a:t>2.2 </a:t>
             </a:r>
             <a:r>
               <a:rPr lang="ja-JP" altLang="en-US" dirty="0"/>
-              <a:t>学習アルゴリズムについて</a:t>
-            </a:r>
-          </a:p>
-        </p:txBody>
-      </p:sp>
-      <p:sp>
-        <p:nvSpPr>
-          <p:cNvPr id="5" name="コンテンツ プレースホルダー 4">
-            <a:extLst>
-              <a:ext uri="{FF2B5EF4-FFF2-40B4-BE49-F238E27FC236}">
-                <a16:creationId xmlns:a16="http://schemas.microsoft.com/office/drawing/2014/main" id="{667C7D32-7522-132B-E691-8C15EAA82C4C}"/>
+              <a:t>実験方法の説明</a:t>
+            </a:r>
+            <a:endParaRPr kumimoji="1" lang="ja-JP" altLang="en-US" dirty="0"/>
+          </a:p>
+        </p:txBody>
+      </p:sp>
+      <p:sp>
+        <p:nvSpPr>
+          <p:cNvPr id="8" name="テキスト プレースホルダー 7">
+            <a:extLst>
+              <a:ext uri="{FF2B5EF4-FFF2-40B4-BE49-F238E27FC236}">
+                <a16:creationId xmlns:a16="http://schemas.microsoft.com/office/drawing/2014/main" id="{22F8EDB7-4F2C-D647-2D4F-757DB54A994C}"/>
               </a:ext>
             </a:extLst>
           </p:cNvPr>
@@ -17311,148 +19249,105 @@
             <a:spLocks noGrp="1"/>
           </p:cNvSpPr>
           <p:nvPr>
-            <p:ph idx="1"/>
+            <p:ph type="body" idx="1"/>
           </p:nvPr>
         </p:nvSpPr>
         <p:spPr/>
         <p:txBody>
-          <a:bodyPr anchor="ctr"/>
+          <a:bodyPr/>
           <a:lstStyle/>
           <a:p>
+            <a:pPr algn="ctr"/>
             <a:r>
               <a:rPr lang="ja-JP" altLang="en-US" dirty="0"/>
-              <a:t>本研究では機械学習の中でも</a:t>
-            </a:r>
-            <a:r>
-              <a:rPr lang="ja-JP" altLang="en-US" b="1" dirty="0"/>
-              <a:t>強化学習</a:t>
-            </a:r>
+              <a:t>実験ゲーム環境</a:t>
+            </a:r>
+          </a:p>
+        </p:txBody>
+      </p:sp>
+      <p:sp>
+        <p:nvSpPr>
+          <p:cNvPr id="10" name="テキスト プレースホルダー 9">
+            <a:extLst>
+              <a:ext uri="{FF2B5EF4-FFF2-40B4-BE49-F238E27FC236}">
+                <a16:creationId xmlns:a16="http://schemas.microsoft.com/office/drawing/2014/main" id="{BD1850F4-0258-5C13-657C-F84ADDBC4437}"/>
+              </a:ext>
+            </a:extLst>
+          </p:cNvPr>
+          <p:cNvSpPr>
+            <a:spLocks noGrp="1"/>
+          </p:cNvSpPr>
+          <p:nvPr>
+            <p:ph type="body" sz="quarter" idx="3"/>
+          </p:nvPr>
+        </p:nvSpPr>
+        <p:spPr/>
+        <p:txBody>
+          <a:bodyPr/>
+          <a:lstStyle/>
+          <a:p>
+            <a:pPr algn="ctr"/>
             <a:r>
               <a:rPr lang="ja-JP" altLang="en-US" dirty="0"/>
-              <a:t>に分類される方法で行った。</a:t>
-            </a:r>
-            <a:endParaRPr lang="en-US" altLang="ja-JP" dirty="0"/>
-          </a:p>
-          <a:p>
-            <a:r>
-              <a:rPr kumimoji="1" lang="ja-JP" altLang="en-US" dirty="0"/>
-              <a:t>強化学習とは一言で言うと</a:t>
-            </a:r>
-            <a:r>
-              <a:rPr kumimoji="1" lang="en-US" altLang="ja-JP" dirty="0"/>
-              <a:t>AI</a:t>
-            </a:r>
-            <a:r>
-              <a:rPr kumimoji="1" lang="ja-JP" altLang="en-US" dirty="0"/>
-              <a:t>の選択した行動の内、</a:t>
-            </a:r>
-            <a:r>
-              <a:rPr kumimoji="1" lang="ja-JP" altLang="en-US" b="1" dirty="0"/>
-              <a:t>良い行動には加点</a:t>
-            </a:r>
-            <a:r>
-              <a:rPr kumimoji="1" lang="ja-JP" altLang="en-US" dirty="0"/>
-              <a:t>し、　　　　　　　　　　　　　　　　　　　　　　　　　　　</a:t>
-            </a:r>
-            <a:r>
-              <a:rPr kumimoji="1" lang="ja-JP" altLang="en-US" b="1" dirty="0"/>
-              <a:t>悪い行動は減点する</a:t>
-            </a:r>
-            <a:r>
-              <a:rPr kumimoji="1" lang="ja-JP" altLang="en-US" dirty="0"/>
-              <a:t>といった方式で、いわば</a:t>
-            </a:r>
-            <a:r>
-              <a:rPr lang="ja-JP" altLang="en-US" b="1" dirty="0"/>
-              <a:t>試行錯誤</a:t>
-            </a:r>
-            <a:r>
-              <a:rPr lang="ja-JP" altLang="en-US" dirty="0"/>
-              <a:t>をする学習方法である。</a:t>
-            </a:r>
-            <a:endParaRPr lang="en-US" altLang="ja-JP" dirty="0"/>
-          </a:p>
-          <a:p>
-            <a:pPr lvl="1"/>
-            <a:r>
-              <a:rPr lang="ja-JP" altLang="en-US" dirty="0"/>
-              <a:t>具体的な言い方をすれば、</a:t>
-            </a:r>
-            <a:r>
-              <a:rPr lang="en-US" altLang="ja-JP" dirty="0"/>
-              <a:t>AI</a:t>
-            </a:r>
-            <a:r>
-              <a:rPr lang="ja-JP" altLang="en-US" dirty="0"/>
-              <a:t>の選択した行動によって得られる報酬</a:t>
-            </a:r>
-            <a:r>
-              <a:rPr lang="en-US" altLang="ja-JP" dirty="0"/>
-              <a:t>(</a:t>
-            </a:r>
-            <a:r>
-              <a:rPr lang="ja-JP" altLang="en-US" dirty="0"/>
-              <a:t>点数</a:t>
-            </a:r>
-            <a:r>
-              <a:rPr lang="en-US" altLang="ja-JP" dirty="0"/>
-              <a:t>)</a:t>
-            </a:r>
-            <a:r>
-              <a:rPr lang="ja-JP" altLang="en-US" dirty="0"/>
-              <a:t>を最大化するような行動を学習し、適切な行動</a:t>
-            </a:r>
-            <a:r>
-              <a:rPr lang="en-US" altLang="ja-JP" dirty="0"/>
-              <a:t>(</a:t>
-            </a:r>
-            <a:r>
-              <a:rPr lang="ja-JP" altLang="en-US" dirty="0"/>
-              <a:t>出力</a:t>
-            </a:r>
-            <a:r>
-              <a:rPr lang="en-US" altLang="ja-JP" dirty="0"/>
-              <a:t>)</a:t>
-            </a:r>
-            <a:r>
-              <a:rPr lang="ja-JP" altLang="en-US" dirty="0"/>
-              <a:t>をできるようにするアルゴルズム。</a:t>
-            </a:r>
-            <a:endParaRPr lang="en-US" altLang="ja-JP" dirty="0"/>
-          </a:p>
-          <a:p>
-            <a:pPr lvl="1"/>
-            <a:r>
-              <a:rPr lang="ja-JP" altLang="en-US" dirty="0"/>
-              <a:t>ドロケーなどのゲームのように事前に教師データなどを用意するのが難しいタスクに適している手法。</a:t>
-            </a:r>
-            <a:endParaRPr lang="en-US" altLang="ja-JP" dirty="0"/>
-          </a:p>
-          <a:p>
-            <a:pPr lvl="1"/>
-            <a:endParaRPr lang="en-US" altLang="ja-JP" dirty="0"/>
-          </a:p>
-          <a:p>
-            <a:r>
-              <a:rPr lang="ja-JP" altLang="en-US" dirty="0"/>
-              <a:t>強化学習には現在まで様々なアルゴリズムがあるが、今回は</a:t>
-            </a:r>
-            <a:r>
-              <a:rPr lang="en-US" altLang="ja-JP" b="1" dirty="0"/>
-              <a:t>MA-POCA</a:t>
-            </a:r>
-            <a:r>
-              <a:rPr lang="ja-JP" altLang="en-US" dirty="0"/>
-              <a:t>と呼ばれる　　　　　　　　　　　　　　　　　　　　　アルゴリズムを採用した。</a:t>
-            </a:r>
-            <a:endParaRPr lang="en-US" altLang="ja-JP" dirty="0"/>
+              <a:t>エージェント</a:t>
+            </a:r>
+          </a:p>
+        </p:txBody>
+      </p:sp>
+      <p:sp>
+        <p:nvSpPr>
+          <p:cNvPr id="11" name="コンテンツ プレースホルダー 10">
+            <a:extLst>
+              <a:ext uri="{FF2B5EF4-FFF2-40B4-BE49-F238E27FC236}">
+                <a16:creationId xmlns:a16="http://schemas.microsoft.com/office/drawing/2014/main" id="{FA39F5F7-39DA-59B6-91CA-23DB16FB94E1}"/>
+              </a:ext>
+            </a:extLst>
+          </p:cNvPr>
+          <p:cNvSpPr>
+            <a:spLocks noGrp="1"/>
+          </p:cNvSpPr>
+          <p:nvPr>
+            <p:ph sz="quarter" idx="4"/>
+          </p:nvPr>
+        </p:nvSpPr>
+        <p:spPr/>
+        <p:txBody>
+          <a:bodyPr/>
+          <a:lstStyle/>
+          <a:p>
+            <a:endParaRPr lang="ja-JP" altLang="en-US"/>
+          </a:p>
+        </p:txBody>
+      </p:sp>
+      <p:sp>
+        <p:nvSpPr>
+          <p:cNvPr id="9" name="コンテンツ プレースホルダー 8">
+            <a:extLst>
+              <a:ext uri="{FF2B5EF4-FFF2-40B4-BE49-F238E27FC236}">
+                <a16:creationId xmlns:a16="http://schemas.microsoft.com/office/drawing/2014/main" id="{87EE194F-F4B5-869B-485B-1D11D1321C09}"/>
+              </a:ext>
+            </a:extLst>
+          </p:cNvPr>
+          <p:cNvSpPr>
+            <a:spLocks noGrp="1"/>
+          </p:cNvSpPr>
+          <p:nvPr>
+            <p:ph sz="half" idx="2"/>
+          </p:nvPr>
+        </p:nvSpPr>
+        <p:spPr/>
+        <p:txBody>
+          <a:bodyPr/>
+          <a:lstStyle/>
+          <a:p>
+            <a:endParaRPr lang="ja-JP" altLang="en-US" dirty="0"/>
           </a:p>
         </p:txBody>
       </p:sp>
     </p:spTree>
     <p:extLst>
       <p:ext uri="{BB962C8B-B14F-4D97-AF65-F5344CB8AC3E}">
-        <p14:creationId xmlns:p14="http://schemas.microsoft.com/office/powerpoint/2010/main" val="1683477630"/>
+        <p14:creationId xmlns:p14="http://schemas.microsoft.com/office/powerpoint/2010/main" val="3112834235"/>
       </p:ext>
     </p:extLst>
   </p:cSld>
@@ -18314,6 +20209,24 @@
 </file>
 
 <file path=customXml/item1.xml><?xml version="1.0" encoding="utf-8"?>
+<?mso-contentType ?>
+<FormTemplates xmlns="http://schemas.microsoft.com/sharepoint/v3/contenttype/forms">
+  <Display>DocumentLibraryForm</Display>
+  <Edit>DocumentLibraryForm</Edit>
+  <New>DocumentLibraryForm</New>
+</FormTemplates>
+</file>
+
+<file path=customXml/item2.xml><?xml version="1.0" encoding="utf-8"?>
+<p:properties xmlns:p="http://schemas.microsoft.com/office/2006/metadata/properties" xmlns:xsi="http://www.w3.org/2001/XMLSchema-instance" xmlns:pc="http://schemas.microsoft.com/office/infopath/2007/PartnerControls">
+  <documentManagement>
+    <_ip_UnifiedCompliancePolicyUIAction xmlns="http://schemas.microsoft.com/sharepoint/v3" xsi:nil="true"/>
+    <_ip_UnifiedCompliancePolicyProperties xmlns="http://schemas.microsoft.com/sharepoint/v3" xsi:nil="true"/>
+  </documentManagement>
+</p:properties>
+</file>
+
+<file path=customXml/item3.xml><?xml version="1.0" encoding="utf-8"?>
 <ct:contentTypeSchema xmlns:ct="http://schemas.microsoft.com/office/2006/metadata/contentType" xmlns:ma="http://schemas.microsoft.com/office/2006/metadata/properties/metaAttributes" ct:_="" ma:_="" ma:contentTypeName="Document" ma:contentTypeID="0x010100DEEA25CC0A0AC24199CDC46C25B8B0BC" ma:contentTypeVersion="10" ma:contentTypeDescription="Create a new document." ma:contentTypeScope="" ma:versionID="e3b47856d4cf355c0dacb39e1084d14f">
   <xsd:schema xmlns:xsd="http://www.w3.org/2001/XMLSchema" xmlns:xs="http://www.w3.org/2001/XMLSchema" xmlns:p="http://schemas.microsoft.com/office/2006/metadata/properties" xmlns:ns1="http://schemas.microsoft.com/sharepoint/v3" xmlns:ns2="6dc4bcd6-49db-4c07-9060-8acfc67cef9f" xmlns:ns3="fb0879af-3eba-417a-a55a-ffe6dcd6ca77" targetNamespace="http://schemas.microsoft.com/office/2006/metadata/properties" ma:root="true" ma:fieldsID="a845a615265fdb1f7b12cc65ac20ecbd" ns1:_="" ns2:_="" ns3:_="">
     <xsd:import namespace="http://schemas.microsoft.com/sharepoint/v3"/>
@@ -18521,25 +20434,25 @@
 </ct:contentTypeSchema>
 </file>
 
-<file path=customXml/item2.xml><?xml version="1.0" encoding="utf-8"?>
-<p:properties xmlns:p="http://schemas.microsoft.com/office/2006/metadata/properties" xmlns:xsi="http://www.w3.org/2001/XMLSchema-instance" xmlns:pc="http://schemas.microsoft.com/office/infopath/2007/PartnerControls">
-  <documentManagement>
-    <_ip_UnifiedCompliancePolicyUIAction xmlns="http://schemas.microsoft.com/sharepoint/v3" xsi:nil="true"/>
-    <_ip_UnifiedCompliancePolicyProperties xmlns="http://schemas.microsoft.com/sharepoint/v3" xsi:nil="true"/>
-  </documentManagement>
-</p:properties>
+<file path=customXml/itemProps1.xml><?xml version="1.0" encoding="utf-8"?>
+<ds:datastoreItem xmlns:ds="http://schemas.openxmlformats.org/officeDocument/2006/customXml" ds:itemID="{F79AA90D-A39D-4F83-B1BD-92099B1CAD0D}">
+  <ds:schemaRefs>
+    <ds:schemaRef ds:uri="http://schemas.microsoft.com/sharepoint/v3/contenttype/forms"/>
+  </ds:schemaRefs>
+</ds:datastoreItem>
 </file>
 
-<file path=customXml/item3.xml><?xml version="1.0" encoding="utf-8"?>
-<?mso-contentType ?>
-<FormTemplates xmlns="http://schemas.microsoft.com/sharepoint/v3/contenttype/forms">
-  <Display>DocumentLibraryForm</Display>
-  <Edit>DocumentLibraryForm</Edit>
-  <New>DocumentLibraryForm</New>
-</FormTemplates>
+<file path=customXml/itemProps2.xml><?xml version="1.0" encoding="utf-8"?>
+<ds:datastoreItem xmlns:ds="http://schemas.openxmlformats.org/officeDocument/2006/customXml" ds:itemID="{374D15D6-87BC-477C-8E91-9F90829C2FC8}">
+  <ds:schemaRefs>
+    <ds:schemaRef ds:uri="http://schemas.microsoft.com/office/2006/metadata/properties"/>
+    <ds:schemaRef ds:uri="http://schemas.microsoft.com/office/infopath/2007/PartnerControls"/>
+    <ds:schemaRef ds:uri="http://schemas.microsoft.com/sharepoint/v3"/>
+  </ds:schemaRefs>
+</ds:datastoreItem>
 </file>
 
-<file path=customXml/itemProps1.xml><?xml version="1.0" encoding="utf-8"?>
+<file path=customXml/itemProps3.xml><?xml version="1.0" encoding="utf-8"?>
 <ds:datastoreItem xmlns:ds="http://schemas.openxmlformats.org/officeDocument/2006/customXml" ds:itemID="{D19A80A7-0DD1-4CF4-ABD5-362A6549C557}">
   <ds:schemaRefs>
     <ds:schemaRef ds:uri="http://schemas.microsoft.com/office/2006/metadata/contentType"/>
@@ -18557,22 +20470,4 @@
     <ds:schemaRef ds:uri="http://schemas.microsoft.com/internal/obd"/>
   </ds:schemaRefs>
 </ds:datastoreItem>
-</file>
-
-<file path=customXml/itemProps2.xml><?xml version="1.0" encoding="utf-8"?>
-<ds:datastoreItem xmlns:ds="http://schemas.openxmlformats.org/officeDocument/2006/customXml" ds:itemID="{374D15D6-87BC-477C-8E91-9F90829C2FC8}">
-  <ds:schemaRefs>
-    <ds:schemaRef ds:uri="http://schemas.microsoft.com/office/2006/metadata/properties"/>
-    <ds:schemaRef ds:uri="http://schemas.microsoft.com/office/infopath/2007/PartnerControls"/>
-    <ds:schemaRef ds:uri="http://schemas.microsoft.com/sharepoint/v3"/>
-  </ds:schemaRefs>
-</ds:datastoreItem>
-</file>
-
-<file path=customXml/itemProps3.xml><?xml version="1.0" encoding="utf-8"?>
-<ds:datastoreItem xmlns:ds="http://schemas.openxmlformats.org/officeDocument/2006/customXml" ds:itemID="{F79AA90D-A39D-4F83-B1BD-92099B1CAD0D}">
-  <ds:schemaRefs>
-    <ds:schemaRef ds:uri="http://schemas.microsoft.com/sharepoint/v3/contenttype/forms"/>
-  </ds:schemaRefs>
-</ds:datastoreItem>
 </file>